--- a/instructors/01-Why_are_we_here.pptx
+++ b/instructors/01-Why_are_we_here.pptx
@@ -220,7 +220,7 @@
           <a:p>
             <a:fld id="{B1D4AFAA-5545-4348-866E-082827204B28}" type="datetimeFigureOut">
               <a:rPr lang="en-GB" smtClean="0"/>
-              <a:t>21/07/2022</a:t>
+              <a:t>08/08/2022</a:t>
             </a:fld>
             <a:endParaRPr lang="en-GB"/>
           </a:p>
@@ -569,6 +569,98 @@
 </p:notes>
 </file>
 
+<file path=ppt/notesSlides/notesSlide2.xml><?xml version="1.0" encoding="utf-8"?>
+<p:notes xmlns:a="http://schemas.openxmlformats.org/drawingml/2006/main" xmlns:r="http://schemas.openxmlformats.org/officeDocument/2006/relationships" xmlns:p="http://schemas.openxmlformats.org/presentationml/2006/main">
+  <p:cSld>
+    <p:spTree>
+      <p:nvGrpSpPr>
+        <p:cNvPr id="1" name=""/>
+        <p:cNvGrpSpPr/>
+        <p:nvPr/>
+      </p:nvGrpSpPr>
+      <p:grpSpPr>
+        <a:xfrm>
+          <a:off x="0" y="0"/>
+          <a:ext cx="0" cy="0"/>
+          <a:chOff x="0" y="0"/>
+          <a:chExt cx="0" cy="0"/>
+        </a:xfrm>
+      </p:grpSpPr>
+      <p:sp>
+        <p:nvSpPr>
+          <p:cNvPr id="2" name="Slide Image Placeholder 1"/>
+          <p:cNvSpPr>
+            <a:spLocks noGrp="1" noRot="1" noChangeAspect="1"/>
+          </p:cNvSpPr>
+          <p:nvPr>
+            <p:ph type="sldImg"/>
+          </p:nvPr>
+        </p:nvSpPr>
+        <p:spPr/>
+      </p:sp>
+      <p:sp>
+        <p:nvSpPr>
+          <p:cNvPr id="3" name="Notes Placeholder 2"/>
+          <p:cNvSpPr>
+            <a:spLocks noGrp="1"/>
+          </p:cNvSpPr>
+          <p:nvPr>
+            <p:ph type="body" idx="1"/>
+          </p:nvPr>
+        </p:nvSpPr>
+        <p:spPr/>
+        <p:txBody>
+          <a:bodyPr/>
+          <a:lstStyle/>
+          <a:p>
+            <a:r>
+              <a:rPr lang="en-GB" smtClean="0"/>
+              <a:t>Colin and Chris Weir are a Scottish couple who won</a:t>
+            </a:r>
+            <a:r>
+              <a:rPr lang="en-GB" baseline="0" smtClean="0"/>
+              <a:t> a life-changing sum of money in the national lottery. Would your postdoc come back into work if they hit the jackpot? </a:t>
+            </a:r>
+            <a:endParaRPr lang="en-GB"/>
+          </a:p>
+        </p:txBody>
+      </p:sp>
+      <p:sp>
+        <p:nvSpPr>
+          <p:cNvPr id="4" name="Slide Number Placeholder 3"/>
+          <p:cNvSpPr>
+            <a:spLocks noGrp="1"/>
+          </p:cNvSpPr>
+          <p:nvPr>
+            <p:ph type="sldNum" sz="quarter" idx="10"/>
+          </p:nvPr>
+        </p:nvSpPr>
+        <p:spPr/>
+        <p:txBody>
+          <a:bodyPr/>
+          <a:lstStyle/>
+          <a:p>
+            <a:fld id="{ECFFB44E-D000-426C-9F9B-769AE7CC186C}" type="slidenum">
+              <a:rPr lang="en-GB" smtClean="0"/>
+              <a:t>21</a:t>
+            </a:fld>
+            <a:endParaRPr lang="en-GB"/>
+          </a:p>
+        </p:txBody>
+      </p:sp>
+    </p:spTree>
+    <p:extLst>
+      <p:ext uri="{BB962C8B-B14F-4D97-AF65-F5344CB8AC3E}">
+        <p14:creationId xmlns:p14="http://schemas.microsoft.com/office/powerpoint/2010/main" val="3909621395"/>
+      </p:ext>
+    </p:extLst>
+  </p:cSld>
+  <p:clrMapOvr>
+    <a:masterClrMapping/>
+  </p:clrMapOvr>
+</p:notes>
+</file>
+
 <file path=ppt/slideLayouts/slideLayout1.xml><?xml version="1.0" encoding="utf-8"?>
 <p:sldLayout xmlns:a="http://schemas.openxmlformats.org/drawingml/2006/main" xmlns:r="http://schemas.openxmlformats.org/officeDocument/2006/relationships" xmlns:p="http://schemas.openxmlformats.org/presentationml/2006/main" type="title" preserve="1">
   <p:cSld name="Title Slide">
@@ -700,7 +792,7 @@
           <a:p>
             <a:fld id="{CC29EC85-173F-467E-B364-65AD14726A23}" type="datetimeFigureOut">
               <a:rPr lang="en-GB" smtClean="0"/>
-              <a:t>21/07/2022</a:t>
+              <a:t>08/08/2022</a:t>
             </a:fld>
             <a:endParaRPr lang="en-GB"/>
           </a:p>
@@ -917,7 +1009,7 @@
           <a:p>
             <a:fld id="{CC29EC85-173F-467E-B364-65AD14726A23}" type="datetimeFigureOut">
               <a:rPr lang="en-GB" smtClean="0"/>
-              <a:t>21/07/2022</a:t>
+              <a:t>08/08/2022</a:t>
             </a:fld>
             <a:endParaRPr lang="en-GB"/>
           </a:p>
@@ -1097,7 +1189,7 @@
           <a:p>
             <a:fld id="{CC29EC85-173F-467E-B364-65AD14726A23}" type="datetimeFigureOut">
               <a:rPr lang="en-GB" smtClean="0"/>
-              <a:t>21/07/2022</a:t>
+              <a:t>08/08/2022</a:t>
             </a:fld>
             <a:endParaRPr lang="en-GB"/>
           </a:p>
@@ -1460,7 +1552,7 @@
           <a:p>
             <a:fld id="{CC29EC85-173F-467E-B364-65AD14726A23}" type="datetimeFigureOut">
               <a:rPr lang="en-GB" smtClean="0"/>
-              <a:t>21/07/2022</a:t>
+              <a:t>08/08/2022</a:t>
             </a:fld>
             <a:endParaRPr lang="en-GB"/>
           </a:p>
@@ -1706,7 +1798,7 @@
           <a:p>
             <a:fld id="{CC29EC85-173F-467E-B364-65AD14726A23}" type="datetimeFigureOut">
               <a:rPr lang="en-GB" smtClean="0"/>
-              <a:t>21/07/2022</a:t>
+              <a:t>08/08/2022</a:t>
             </a:fld>
             <a:endParaRPr lang="en-GB"/>
           </a:p>
@@ -1938,7 +2030,7 @@
           <a:p>
             <a:fld id="{CC29EC85-173F-467E-B364-65AD14726A23}" type="datetimeFigureOut">
               <a:rPr lang="en-GB" smtClean="0"/>
-              <a:t>21/07/2022</a:t>
+              <a:t>08/08/2022</a:t>
             </a:fld>
             <a:endParaRPr lang="en-GB"/>
           </a:p>
@@ -2305,7 +2397,7 @@
           <a:p>
             <a:fld id="{CC29EC85-173F-467E-B364-65AD14726A23}" type="datetimeFigureOut">
               <a:rPr lang="en-GB" smtClean="0"/>
-              <a:t>21/07/2022</a:t>
+              <a:t>08/08/2022</a:t>
             </a:fld>
             <a:endParaRPr lang="en-GB"/>
           </a:p>
@@ -2423,7 +2515,7 @@
           <a:p>
             <a:fld id="{CC29EC85-173F-467E-B364-65AD14726A23}" type="datetimeFigureOut">
               <a:rPr lang="en-GB" smtClean="0"/>
-              <a:t>21/07/2022</a:t>
+              <a:t>08/08/2022</a:t>
             </a:fld>
             <a:endParaRPr lang="en-GB"/>
           </a:p>
@@ -2518,7 +2610,7 @@
           <a:p>
             <a:fld id="{CC29EC85-173F-467E-B364-65AD14726A23}" type="datetimeFigureOut">
               <a:rPr lang="en-GB" smtClean="0"/>
-              <a:t>21/07/2022</a:t>
+              <a:t>08/08/2022</a:t>
             </a:fld>
             <a:endParaRPr lang="en-GB"/>
           </a:p>
@@ -2795,7 +2887,7 @@
           <a:p>
             <a:fld id="{CC29EC85-173F-467E-B364-65AD14726A23}" type="datetimeFigureOut">
               <a:rPr lang="en-GB" smtClean="0"/>
-              <a:t>21/07/2022</a:t>
+              <a:t>08/08/2022</a:t>
             </a:fld>
             <a:endParaRPr lang="en-GB"/>
           </a:p>
@@ -3048,7 +3140,7 @@
           <a:p>
             <a:fld id="{CC29EC85-173F-467E-B364-65AD14726A23}" type="datetimeFigureOut">
               <a:rPr lang="en-GB" smtClean="0"/>
-              <a:t>21/07/2022</a:t>
+              <a:t>08/08/2022</a:t>
             </a:fld>
             <a:endParaRPr lang="en-GB"/>
           </a:p>
@@ -3260,7 +3352,7 @@
             <a:fld id="{CC29EC85-173F-467E-B364-65AD14726A23}" type="datetimeFigureOut">
               <a:rPr lang="en-GB" smtClean="0"/>
               <a:pPr/>
-              <a:t>21/07/2022</a:t>
+              <a:t>08/08/2022</a:t>
             </a:fld>
             <a:endParaRPr lang="en-GB"/>
           </a:p>
@@ -5045,7 +5137,7 @@
             <a:effectLst/>
             <a:extLst>
               <a:ext uri="{AF507438-7753-43e0-B8FC-AC1667EBCBE1}">
-                <a14:hiddenEffects xmlns="" xmlns:a14="http://schemas.microsoft.com/office/drawing/2010/main">
+                <a14:hiddenEffects xmlns:a14="http://schemas.microsoft.com/office/drawing/2010/main" xmlns="">
                   <a:effectLst>
                     <a:outerShdw dist="35921" dir="2700000" algn="ctr" rotWithShape="0">
                       <a:schemeClr val="bg2"/>
@@ -5107,7 +5199,7 @@
             <a:effectLst/>
             <a:extLst>
               <a:ext uri="{AF507438-7753-43e0-B8FC-AC1667EBCBE1}">
-                <a14:hiddenEffects xmlns="" xmlns:a14="http://schemas.microsoft.com/office/drawing/2010/main">
+                <a14:hiddenEffects xmlns:a14="http://schemas.microsoft.com/office/drawing/2010/main" xmlns="">
                   <a:effectLst>
                     <a:outerShdw dist="35921" dir="2700000" algn="ctr" rotWithShape="0">
                       <a:schemeClr val="bg2"/>
@@ -5169,7 +5261,7 @@
             <a:effectLst/>
             <a:extLst>
               <a:ext uri="{AF507438-7753-43e0-B8FC-AC1667EBCBE1}">
-                <a14:hiddenEffects xmlns="" xmlns:a14="http://schemas.microsoft.com/office/drawing/2010/main">
+                <a14:hiddenEffects xmlns:a14="http://schemas.microsoft.com/office/drawing/2010/main" xmlns="">
                   <a:effectLst>
                     <a:outerShdw dist="35921" dir="2700000" algn="ctr" rotWithShape="0">
                       <a:schemeClr val="bg2"/>
@@ -5375,7 +5467,7 @@
           <a:effectLst/>
           <a:extLst>
             <a:ext uri="{AF507438-7753-43e0-B8FC-AC1667EBCBE1}">
-              <a14:hiddenEffects xmlns="" xmlns:a14="http://schemas.microsoft.com/office/drawing/2010/main">
+              <a14:hiddenEffects xmlns:a14="http://schemas.microsoft.com/office/drawing/2010/main" xmlns="">
                 <a:effectLst>
                   <a:outerShdw dist="35921" dir="2700000" algn="ctr" rotWithShape="0">
                     <a:schemeClr val="bg2"/>
@@ -5706,7 +5798,7 @@
             <a:effectLst/>
             <a:extLst>
               <a:ext uri="{AF507438-7753-43e0-B8FC-AC1667EBCBE1}">
-                <a14:hiddenEffects xmlns="" xmlns:a14="http://schemas.microsoft.com/office/drawing/2010/main">
+                <a14:hiddenEffects xmlns:a14="http://schemas.microsoft.com/office/drawing/2010/main" xmlns="">
                   <a:effectLst>
                     <a:outerShdw dist="35921" dir="2700000" algn="ctr" rotWithShape="0">
                       <a:schemeClr val="bg2"/>
@@ -5768,7 +5860,7 @@
             <a:effectLst/>
             <a:extLst>
               <a:ext uri="{AF507438-7753-43e0-B8FC-AC1667EBCBE1}">
-                <a14:hiddenEffects xmlns="" xmlns:a14="http://schemas.microsoft.com/office/drawing/2010/main">
+                <a14:hiddenEffects xmlns:a14="http://schemas.microsoft.com/office/drawing/2010/main" xmlns="">
                   <a:effectLst>
                     <a:outerShdw dist="35921" dir="2700000" algn="ctr" rotWithShape="0">
                       <a:schemeClr val="bg2"/>
@@ -5845,7 +5937,7 @@
             <a:effectLst/>
             <a:extLst>
               <a:ext uri="{AF507438-7753-43e0-B8FC-AC1667EBCBE1}">
-                <a14:hiddenEffects xmlns="" xmlns:a14="http://schemas.microsoft.com/office/drawing/2010/main">
+                <a14:hiddenEffects xmlns:a14="http://schemas.microsoft.com/office/drawing/2010/main" xmlns="">
                   <a:effectLst>
                     <a:outerShdw dist="35921" dir="2700000" algn="ctr" rotWithShape="0">
                       <a:schemeClr val="bg2"/>
@@ -5907,7 +5999,7 @@
             <a:effectLst/>
             <a:extLst>
               <a:ext uri="{AF507438-7753-43e0-B8FC-AC1667EBCBE1}">
-                <a14:hiddenEffects xmlns="" xmlns:a14="http://schemas.microsoft.com/office/drawing/2010/main">
+                <a14:hiddenEffects xmlns:a14="http://schemas.microsoft.com/office/drawing/2010/main" xmlns="">
                   <a:effectLst>
                     <a:outerShdw dist="35921" dir="2700000" algn="ctr" rotWithShape="0">
                       <a:schemeClr val="bg2"/>
@@ -7140,7 +7232,7 @@
           <a:effectLst/>
           <a:extLst>
             <a:ext uri="{AF507438-7753-43e0-B8FC-AC1667EBCBE1}">
-              <a14:hiddenEffects xmlns="" xmlns:a14="http://schemas.microsoft.com/office/drawing/2010/main">
+              <a14:hiddenEffects xmlns:a14="http://schemas.microsoft.com/office/drawing/2010/main" xmlns="">
                 <a:effectLst>
                   <a:outerShdw dist="35921" dir="2700000" algn="ctr" rotWithShape="0">
                     <a:schemeClr val="bg2"/>
@@ -9647,8 +9739,8 @@
           <a:lstStyle/>
           <a:p>
             <a:r>
-              <a:rPr lang="en-GB" dirty="0" smtClean="0"/>
-              <a:t>Hit by bus</a:t>
+              <a:rPr lang="en-GB" smtClean="0"/>
+              <a:t>Exercise – lottery winner</a:t>
             </a:r>
             <a:endParaRPr lang="en-GB" dirty="0"/>
           </a:p>
@@ -9682,6 +9774,48 @@
           </a:p>
         </p:txBody>
       </p:sp>
+      <p:pic>
+        <p:nvPicPr>
+          <p:cNvPr id="4" name="Picture 3" descr="Top 5 Biggest Lottery Wins Ever"/>
+          <p:cNvPicPr>
+            <a:picLocks noChangeAspect="1"/>
+          </p:cNvPicPr>
+          <p:nvPr/>
+        </p:nvPicPr>
+        <p:blipFill>
+          <a:blip r:embed="rId3">
+            <a:extLst>
+              <a:ext uri="{28A0092B-C50C-407E-A947-70E740481C1C}">
+                <a14:useLocalDpi xmlns:a14="http://schemas.microsoft.com/office/drawing/2010/main" val="0"/>
+              </a:ext>
+            </a:extLst>
+          </a:blip>
+          <a:stretch>
+            <a:fillRect/>
+          </a:stretch>
+        </p:blipFill>
+        <p:spPr>
+          <a:xfrm>
+            <a:off x="3075709" y="1825625"/>
+            <a:ext cx="5807363" cy="4227760"/>
+          </a:xfrm>
+          <a:prstGeom prst="rect">
+            <a:avLst/>
+          </a:prstGeom>
+          <a:ln w="228600" cap="sq" cmpd="thickThin">
+            <a:solidFill>
+              <a:srgbClr val="000000"/>
+            </a:solidFill>
+            <a:prstDash val="solid"/>
+            <a:miter lim="800000"/>
+          </a:ln>
+          <a:effectLst>
+            <a:innerShdw blurRad="76200">
+              <a:srgbClr val="000000"/>
+            </a:innerShdw>
+          </a:effectLst>
+        </p:spPr>
+      </p:pic>
     </p:spTree>
     <p:extLst>
       <p:ext uri="{BB962C8B-B14F-4D97-AF65-F5344CB8AC3E}">
@@ -9735,8 +9869,8 @@
           <a:lstStyle/>
           <a:p>
             <a:r>
-              <a:rPr lang="en-GB" dirty="0" smtClean="0"/>
-              <a:t>Hit by bus</a:t>
+              <a:rPr lang="en-GB" smtClean="0"/>
+              <a:t>Lottery winner exercise - conclusions</a:t>
             </a:r>
             <a:endParaRPr lang="en-GB" dirty="0"/>
           </a:p>
@@ -11163,7 +11297,7 @@
                 <a14:useLocalDpi xmlns:a14="http://schemas.microsoft.com/office/drawing/2010/main" val="0"/>
               </a:ext>
               <a:ext uri="{96DAC541-7B7A-43D3-8B79-37D633B846F1}">
-                <asvg:svgBlip xmlns="" xmlns:asvg="http://schemas.microsoft.com/office/drawing/2016/SVG/main" r:embed="rId3"/>
+                <asvg:svgBlip xmlns:asvg="http://schemas.microsoft.com/office/drawing/2016/SVG/main" xmlns="" r:embed="rId3"/>
               </a:ext>
             </a:extLst>
           </a:blip>
@@ -11202,7 +11336,7 @@
                 <a14:useLocalDpi xmlns:a14="http://schemas.microsoft.com/office/drawing/2010/main" val="0"/>
               </a:ext>
               <a:ext uri="{96DAC541-7B7A-43D3-8B79-37D633B846F1}">
-                <asvg:svgBlip xmlns="" xmlns:asvg="http://schemas.microsoft.com/office/drawing/2016/SVG/main" r:embed="rId5"/>
+                <asvg:svgBlip xmlns:asvg="http://schemas.microsoft.com/office/drawing/2016/SVG/main" xmlns="" r:embed="rId5"/>
               </a:ext>
             </a:extLst>
           </a:blip>
@@ -11241,7 +11375,7 @@
                 <a14:useLocalDpi xmlns:a14="http://schemas.microsoft.com/office/drawing/2010/main" val="0"/>
               </a:ext>
               <a:ext uri="{96DAC541-7B7A-43D3-8B79-37D633B846F1}">
-                <asvg:svgBlip xmlns="" xmlns:asvg="http://schemas.microsoft.com/office/drawing/2016/SVG/main" r:embed="rId7"/>
+                <asvg:svgBlip xmlns:asvg="http://schemas.microsoft.com/office/drawing/2016/SVG/main" xmlns="" r:embed="rId7"/>
               </a:ext>
             </a:extLst>
           </a:blip>
@@ -11280,7 +11414,7 @@
                 <a14:useLocalDpi xmlns:a14="http://schemas.microsoft.com/office/drawing/2010/main" val="0"/>
               </a:ext>
               <a:ext uri="{96DAC541-7B7A-43D3-8B79-37D633B846F1}">
-                <asvg:svgBlip xmlns="" xmlns:asvg="http://schemas.microsoft.com/office/drawing/2016/SVG/main" r:embed="rId9"/>
+                <asvg:svgBlip xmlns:asvg="http://schemas.microsoft.com/office/drawing/2016/SVG/main" xmlns="" r:embed="rId9"/>
               </a:ext>
             </a:extLst>
           </a:blip>
@@ -11319,7 +11453,7 @@
                 <a14:useLocalDpi xmlns:a14="http://schemas.microsoft.com/office/drawing/2010/main" val="0"/>
               </a:ext>
               <a:ext uri="{96DAC541-7B7A-43D3-8B79-37D633B846F1}">
-                <asvg:svgBlip xmlns="" xmlns:asvg="http://schemas.microsoft.com/office/drawing/2016/SVG/main" r:embed="rId11"/>
+                <asvg:svgBlip xmlns:asvg="http://schemas.microsoft.com/office/drawing/2016/SVG/main" xmlns="" r:embed="rId11"/>
               </a:ext>
             </a:extLst>
           </a:blip>
@@ -11358,7 +11492,7 @@
                 <a14:useLocalDpi xmlns:a14="http://schemas.microsoft.com/office/drawing/2010/main" val="0"/>
               </a:ext>
               <a:ext uri="{96DAC541-7B7A-43D3-8B79-37D633B846F1}">
-                <asvg:svgBlip xmlns="" xmlns:asvg="http://schemas.microsoft.com/office/drawing/2016/SVG/main" r:embed="rId13"/>
+                <asvg:svgBlip xmlns:asvg="http://schemas.microsoft.com/office/drawing/2016/SVG/main" xmlns="" r:embed="rId13"/>
               </a:ext>
             </a:extLst>
           </a:blip>
@@ -11722,7 +11856,7 @@
                 <a14:useLocalDpi xmlns:a14="http://schemas.microsoft.com/office/drawing/2010/main" val="0"/>
               </a:ext>
               <a:ext uri="{96DAC541-7B7A-43D3-8B79-37D633B846F1}">
-                <asvg:svgBlip xmlns="" xmlns:asvg="http://schemas.microsoft.com/office/drawing/2016/SVG/main" r:embed="rId3"/>
+                <asvg:svgBlip xmlns:asvg="http://schemas.microsoft.com/office/drawing/2016/SVG/main" xmlns="" r:embed="rId3"/>
               </a:ext>
             </a:extLst>
           </a:blip>
@@ -11937,7 +12071,7 @@
                 <a14:useLocalDpi xmlns:a14="http://schemas.microsoft.com/office/drawing/2010/main" val="0"/>
               </a:ext>
               <a:ext uri="{96DAC541-7B7A-43D3-8B79-37D633B846F1}">
-                <asvg:svgBlip xmlns="" xmlns:asvg="http://schemas.microsoft.com/office/drawing/2016/SVG/main" r:embed="rId3"/>
+                <asvg:svgBlip xmlns:asvg="http://schemas.microsoft.com/office/drawing/2016/SVG/main" xmlns="" r:embed="rId3"/>
               </a:ext>
             </a:extLst>
           </a:blip>

--- a/instructors/01-Why_are_we_here.pptx
+++ b/instructors/01-Why_are_we_here.pptx
@@ -220,7 +220,7 @@
           <a:p>
             <a:fld id="{B1D4AFAA-5545-4348-866E-082827204B28}" type="datetimeFigureOut">
               <a:rPr lang="en-GB" smtClean="0"/>
-              <a:t>08/08/2022</a:t>
+              <a:t>22/08/2022</a:t>
             </a:fld>
             <a:endParaRPr lang="en-GB"/>
           </a:p>
@@ -792,7 +792,7 @@
           <a:p>
             <a:fld id="{CC29EC85-173F-467E-B364-65AD14726A23}" type="datetimeFigureOut">
               <a:rPr lang="en-GB" smtClean="0"/>
-              <a:t>08/08/2022</a:t>
+              <a:t>22/08/2022</a:t>
             </a:fld>
             <a:endParaRPr lang="en-GB"/>
           </a:p>
@@ -1009,7 +1009,7 @@
           <a:p>
             <a:fld id="{CC29EC85-173F-467E-B364-65AD14726A23}" type="datetimeFigureOut">
               <a:rPr lang="en-GB" smtClean="0"/>
-              <a:t>08/08/2022</a:t>
+              <a:t>22/08/2022</a:t>
             </a:fld>
             <a:endParaRPr lang="en-GB"/>
           </a:p>
@@ -1189,7 +1189,7 @@
           <a:p>
             <a:fld id="{CC29EC85-173F-467E-B364-65AD14726A23}" type="datetimeFigureOut">
               <a:rPr lang="en-GB" smtClean="0"/>
-              <a:t>08/08/2022</a:t>
+              <a:t>22/08/2022</a:t>
             </a:fld>
             <a:endParaRPr lang="en-GB"/>
           </a:p>
@@ -1552,7 +1552,7 @@
           <a:p>
             <a:fld id="{CC29EC85-173F-467E-B364-65AD14726A23}" type="datetimeFigureOut">
               <a:rPr lang="en-GB" smtClean="0"/>
-              <a:t>08/08/2022</a:t>
+              <a:t>22/08/2022</a:t>
             </a:fld>
             <a:endParaRPr lang="en-GB"/>
           </a:p>
@@ -1798,7 +1798,7 @@
           <a:p>
             <a:fld id="{CC29EC85-173F-467E-B364-65AD14726A23}" type="datetimeFigureOut">
               <a:rPr lang="en-GB" smtClean="0"/>
-              <a:t>08/08/2022</a:t>
+              <a:t>22/08/2022</a:t>
             </a:fld>
             <a:endParaRPr lang="en-GB"/>
           </a:p>
@@ -2030,7 +2030,7 @@
           <a:p>
             <a:fld id="{CC29EC85-173F-467E-B364-65AD14726A23}" type="datetimeFigureOut">
               <a:rPr lang="en-GB" smtClean="0"/>
-              <a:t>08/08/2022</a:t>
+              <a:t>22/08/2022</a:t>
             </a:fld>
             <a:endParaRPr lang="en-GB"/>
           </a:p>
@@ -2397,7 +2397,7 @@
           <a:p>
             <a:fld id="{CC29EC85-173F-467E-B364-65AD14726A23}" type="datetimeFigureOut">
               <a:rPr lang="en-GB" smtClean="0"/>
-              <a:t>08/08/2022</a:t>
+              <a:t>22/08/2022</a:t>
             </a:fld>
             <a:endParaRPr lang="en-GB"/>
           </a:p>
@@ -2515,7 +2515,7 @@
           <a:p>
             <a:fld id="{CC29EC85-173F-467E-B364-65AD14726A23}" type="datetimeFigureOut">
               <a:rPr lang="en-GB" smtClean="0"/>
-              <a:t>08/08/2022</a:t>
+              <a:t>22/08/2022</a:t>
             </a:fld>
             <a:endParaRPr lang="en-GB"/>
           </a:p>
@@ -2610,7 +2610,7 @@
           <a:p>
             <a:fld id="{CC29EC85-173F-467E-B364-65AD14726A23}" type="datetimeFigureOut">
               <a:rPr lang="en-GB" smtClean="0"/>
-              <a:t>08/08/2022</a:t>
+              <a:t>22/08/2022</a:t>
             </a:fld>
             <a:endParaRPr lang="en-GB"/>
           </a:p>
@@ -2887,7 +2887,7 @@
           <a:p>
             <a:fld id="{CC29EC85-173F-467E-B364-65AD14726A23}" type="datetimeFigureOut">
               <a:rPr lang="en-GB" smtClean="0"/>
-              <a:t>08/08/2022</a:t>
+              <a:t>22/08/2022</a:t>
             </a:fld>
             <a:endParaRPr lang="en-GB"/>
           </a:p>
@@ -3140,7 +3140,7 @@
           <a:p>
             <a:fld id="{CC29EC85-173F-467E-B364-65AD14726A23}" type="datetimeFigureOut">
               <a:rPr lang="en-GB" smtClean="0"/>
-              <a:t>08/08/2022</a:t>
+              <a:t>22/08/2022</a:t>
             </a:fld>
             <a:endParaRPr lang="en-GB"/>
           </a:p>
@@ -3352,7 +3352,7 @@
             <a:fld id="{CC29EC85-173F-467E-B364-65AD14726A23}" type="datetimeFigureOut">
               <a:rPr lang="en-GB" smtClean="0"/>
               <a:pPr/>
-              <a:t>08/08/2022</a:t>
+              <a:t>22/08/2022</a:t>
             </a:fld>
             <a:endParaRPr lang="en-GB"/>
           </a:p>
@@ -3844,6 +3844,117 @@
           </a:p>
         </p:txBody>
       </p:sp>
+      <p:grpSp>
+        <p:nvGrpSpPr>
+          <p:cNvPr id="6" name="Group 5"/>
+          <p:cNvGrpSpPr/>
+          <p:nvPr/>
+        </p:nvGrpSpPr>
+        <p:grpSpPr>
+          <a:xfrm>
+            <a:off x="335498" y="5785681"/>
+            <a:ext cx="7747345" cy="469783"/>
+            <a:chOff x="335498" y="5785681"/>
+            <a:chExt cx="7747345" cy="469783"/>
+          </a:xfrm>
+        </p:grpSpPr>
+        <p:sp>
+          <p:nvSpPr>
+            <p:cNvPr id="7" name="TextBox 6">
+              <a:extLst>
+                <a:ext uri="{FF2B5EF4-FFF2-40B4-BE49-F238E27FC236}">
+                  <a16:creationId xmlns:a16="http://schemas.microsoft.com/office/drawing/2014/main" id="{441D6036-BCDA-4EC7-9653-F205FE226493}"/>
+                </a:ext>
+              </a:extLst>
+            </p:cNvPr>
+            <p:cNvSpPr txBox="1"/>
+            <p:nvPr/>
+          </p:nvSpPr>
+          <p:spPr>
+            <a:xfrm>
+              <a:off x="1092764" y="5835907"/>
+              <a:ext cx="6990079" cy="369332"/>
+            </a:xfrm>
+            <a:prstGeom prst="rect">
+              <a:avLst/>
+            </a:prstGeom>
+            <a:noFill/>
+          </p:spPr>
+          <p:txBody>
+            <a:bodyPr wrap="square">
+              <a:spAutoFit/>
+            </a:bodyPr>
+            <a:lstStyle/>
+            <a:p>
+              <a:r>
+                <a:rPr lang="en-GB"/>
+                <a:t>Open </a:t>
+              </a:r>
+              <a:r>
+                <a:rPr lang="en-GB" smtClean="0">
+                  <a:hlinkClick r:id="rId2"/>
+                </a:rPr>
+                <a:t>https://pad.carpentries.org/fair-4-leaders-begins-20YY-MM-DD</a:t>
+              </a:r>
+              <a:r>
+                <a:rPr lang="en-GB" smtClean="0"/>
+                <a:t>  </a:t>
+              </a:r>
+              <a:endParaRPr lang="en-GB" dirty="0">
+                <a:highlight>
+                  <a:srgbClr val="FFFF00"/>
+                </a:highlight>
+              </a:endParaRPr>
+            </a:p>
+          </p:txBody>
+        </p:sp>
+        <p:sp>
+          <p:nvSpPr>
+            <p:cNvPr id="8" name="Arrow: Down 7">
+              <a:extLst>
+                <a:ext uri="{FF2B5EF4-FFF2-40B4-BE49-F238E27FC236}">
+                  <a16:creationId xmlns:a16="http://schemas.microsoft.com/office/drawing/2014/main" id="{490697C4-1D52-44B3-9145-1E4126021820}"/>
+                </a:ext>
+              </a:extLst>
+            </p:cNvPr>
+            <p:cNvSpPr/>
+            <p:nvPr/>
+          </p:nvSpPr>
+          <p:spPr>
+            <a:xfrm rot="16200000">
+              <a:off x="410999" y="5710180"/>
+              <a:ext cx="469783" cy="620786"/>
+            </a:xfrm>
+            <a:prstGeom prst="downArrow">
+              <a:avLst/>
+            </a:prstGeom>
+          </p:spPr>
+          <p:style>
+            <a:lnRef idx="2">
+              <a:schemeClr val="accent1">
+                <a:shade val="50000"/>
+              </a:schemeClr>
+            </a:lnRef>
+            <a:fillRef idx="1">
+              <a:schemeClr val="accent1"/>
+            </a:fillRef>
+            <a:effectRef idx="0">
+              <a:schemeClr val="accent1"/>
+            </a:effectRef>
+            <a:fontRef idx="minor">
+              <a:schemeClr val="lt1"/>
+            </a:fontRef>
+          </p:style>
+          <p:txBody>
+            <a:bodyPr rtlCol="0" anchor="ctr"/>
+            <a:lstStyle/>
+            <a:p>
+              <a:pPr algn="ctr"/>
+              <a:endParaRPr lang="en-GB" dirty="0"/>
+            </a:p>
+          </p:txBody>
+        </p:sp>
+      </p:grpSp>
     </p:spTree>
     <p:extLst>
       <p:ext uri="{BB962C8B-B14F-4D97-AF65-F5344CB8AC3E}">
@@ -5137,7 +5248,7 @@
             <a:effectLst/>
             <a:extLst>
               <a:ext uri="{AF507438-7753-43e0-B8FC-AC1667EBCBE1}">
-                <a14:hiddenEffects xmlns:a14="http://schemas.microsoft.com/office/drawing/2010/main" xmlns="">
+                <a14:hiddenEffects xmlns="" xmlns:a14="http://schemas.microsoft.com/office/drawing/2010/main">
                   <a:effectLst>
                     <a:outerShdw dist="35921" dir="2700000" algn="ctr" rotWithShape="0">
                       <a:schemeClr val="bg2"/>
@@ -5199,7 +5310,7 @@
             <a:effectLst/>
             <a:extLst>
               <a:ext uri="{AF507438-7753-43e0-B8FC-AC1667EBCBE1}">
-                <a14:hiddenEffects xmlns:a14="http://schemas.microsoft.com/office/drawing/2010/main" xmlns="">
+                <a14:hiddenEffects xmlns="" xmlns:a14="http://schemas.microsoft.com/office/drawing/2010/main">
                   <a:effectLst>
                     <a:outerShdw dist="35921" dir="2700000" algn="ctr" rotWithShape="0">
                       <a:schemeClr val="bg2"/>
@@ -5261,7 +5372,7 @@
             <a:effectLst/>
             <a:extLst>
               <a:ext uri="{AF507438-7753-43e0-B8FC-AC1667EBCBE1}">
-                <a14:hiddenEffects xmlns:a14="http://schemas.microsoft.com/office/drawing/2010/main" xmlns="">
+                <a14:hiddenEffects xmlns="" xmlns:a14="http://schemas.microsoft.com/office/drawing/2010/main">
                   <a:effectLst>
                     <a:outerShdw dist="35921" dir="2700000" algn="ctr" rotWithShape="0">
                       <a:schemeClr val="bg2"/>
@@ -5467,7 +5578,7 @@
           <a:effectLst/>
           <a:extLst>
             <a:ext uri="{AF507438-7753-43e0-B8FC-AC1667EBCBE1}">
-              <a14:hiddenEffects xmlns:a14="http://schemas.microsoft.com/office/drawing/2010/main" xmlns="">
+              <a14:hiddenEffects xmlns="" xmlns:a14="http://schemas.microsoft.com/office/drawing/2010/main">
                 <a:effectLst>
                   <a:outerShdw dist="35921" dir="2700000" algn="ctr" rotWithShape="0">
                     <a:schemeClr val="bg2"/>
@@ -5798,7 +5909,7 @@
             <a:effectLst/>
             <a:extLst>
               <a:ext uri="{AF507438-7753-43e0-B8FC-AC1667EBCBE1}">
-                <a14:hiddenEffects xmlns:a14="http://schemas.microsoft.com/office/drawing/2010/main" xmlns="">
+                <a14:hiddenEffects xmlns="" xmlns:a14="http://schemas.microsoft.com/office/drawing/2010/main">
                   <a:effectLst>
                     <a:outerShdw dist="35921" dir="2700000" algn="ctr" rotWithShape="0">
                       <a:schemeClr val="bg2"/>
@@ -5860,7 +5971,7 @@
             <a:effectLst/>
             <a:extLst>
               <a:ext uri="{AF507438-7753-43e0-B8FC-AC1667EBCBE1}">
-                <a14:hiddenEffects xmlns:a14="http://schemas.microsoft.com/office/drawing/2010/main" xmlns="">
+                <a14:hiddenEffects xmlns="" xmlns:a14="http://schemas.microsoft.com/office/drawing/2010/main">
                   <a:effectLst>
                     <a:outerShdw dist="35921" dir="2700000" algn="ctr" rotWithShape="0">
                       <a:schemeClr val="bg2"/>
@@ -5937,7 +6048,7 @@
             <a:effectLst/>
             <a:extLst>
               <a:ext uri="{AF507438-7753-43e0-B8FC-AC1667EBCBE1}">
-                <a14:hiddenEffects xmlns:a14="http://schemas.microsoft.com/office/drawing/2010/main" xmlns="">
+                <a14:hiddenEffects xmlns="" xmlns:a14="http://schemas.microsoft.com/office/drawing/2010/main">
                   <a:effectLst>
                     <a:outerShdw dist="35921" dir="2700000" algn="ctr" rotWithShape="0">
                       <a:schemeClr val="bg2"/>
@@ -5999,7 +6110,7 @@
             <a:effectLst/>
             <a:extLst>
               <a:ext uri="{AF507438-7753-43e0-B8FC-AC1667EBCBE1}">
-                <a14:hiddenEffects xmlns:a14="http://schemas.microsoft.com/office/drawing/2010/main" xmlns="">
+                <a14:hiddenEffects xmlns="" xmlns:a14="http://schemas.microsoft.com/office/drawing/2010/main">
                   <a:effectLst>
                     <a:outerShdw dist="35921" dir="2700000" algn="ctr" rotWithShape="0">
                       <a:schemeClr val="bg2"/>
@@ -7232,7 +7343,7 @@
           <a:effectLst/>
           <a:extLst>
             <a:ext uri="{AF507438-7753-43e0-B8FC-AC1667EBCBE1}">
-              <a14:hiddenEffects xmlns:a14="http://schemas.microsoft.com/office/drawing/2010/main" xmlns="">
+              <a14:hiddenEffects xmlns="" xmlns:a14="http://schemas.microsoft.com/office/drawing/2010/main">
                 <a:effectLst>
                   <a:outerShdw dist="35921" dir="2700000" algn="ctr" rotWithShape="0">
                     <a:schemeClr val="bg2"/>
@@ -11297,7 +11408,7 @@
                 <a14:useLocalDpi xmlns:a14="http://schemas.microsoft.com/office/drawing/2010/main" val="0"/>
               </a:ext>
               <a:ext uri="{96DAC541-7B7A-43D3-8B79-37D633B846F1}">
-                <asvg:svgBlip xmlns:asvg="http://schemas.microsoft.com/office/drawing/2016/SVG/main" xmlns="" r:embed="rId3"/>
+                <asvg:svgBlip xmlns="" xmlns:asvg="http://schemas.microsoft.com/office/drawing/2016/SVG/main" r:embed="rId3"/>
               </a:ext>
             </a:extLst>
           </a:blip>
@@ -11336,7 +11447,7 @@
                 <a14:useLocalDpi xmlns:a14="http://schemas.microsoft.com/office/drawing/2010/main" val="0"/>
               </a:ext>
               <a:ext uri="{96DAC541-7B7A-43D3-8B79-37D633B846F1}">
-                <asvg:svgBlip xmlns:asvg="http://schemas.microsoft.com/office/drawing/2016/SVG/main" xmlns="" r:embed="rId5"/>
+                <asvg:svgBlip xmlns="" xmlns:asvg="http://schemas.microsoft.com/office/drawing/2016/SVG/main" r:embed="rId5"/>
               </a:ext>
             </a:extLst>
           </a:blip>
@@ -11375,7 +11486,7 @@
                 <a14:useLocalDpi xmlns:a14="http://schemas.microsoft.com/office/drawing/2010/main" val="0"/>
               </a:ext>
               <a:ext uri="{96DAC541-7B7A-43D3-8B79-37D633B846F1}">
-                <asvg:svgBlip xmlns:asvg="http://schemas.microsoft.com/office/drawing/2016/SVG/main" xmlns="" r:embed="rId7"/>
+                <asvg:svgBlip xmlns="" xmlns:asvg="http://schemas.microsoft.com/office/drawing/2016/SVG/main" r:embed="rId7"/>
               </a:ext>
             </a:extLst>
           </a:blip>
@@ -11414,7 +11525,7 @@
                 <a14:useLocalDpi xmlns:a14="http://schemas.microsoft.com/office/drawing/2010/main" val="0"/>
               </a:ext>
               <a:ext uri="{96DAC541-7B7A-43D3-8B79-37D633B846F1}">
-                <asvg:svgBlip xmlns:asvg="http://schemas.microsoft.com/office/drawing/2016/SVG/main" xmlns="" r:embed="rId9"/>
+                <asvg:svgBlip xmlns="" xmlns:asvg="http://schemas.microsoft.com/office/drawing/2016/SVG/main" r:embed="rId9"/>
               </a:ext>
             </a:extLst>
           </a:blip>
@@ -11453,7 +11564,7 @@
                 <a14:useLocalDpi xmlns:a14="http://schemas.microsoft.com/office/drawing/2010/main" val="0"/>
               </a:ext>
               <a:ext uri="{96DAC541-7B7A-43D3-8B79-37D633B846F1}">
-                <asvg:svgBlip xmlns:asvg="http://schemas.microsoft.com/office/drawing/2016/SVG/main" xmlns="" r:embed="rId11"/>
+                <asvg:svgBlip xmlns="" xmlns:asvg="http://schemas.microsoft.com/office/drawing/2016/SVG/main" r:embed="rId11"/>
               </a:ext>
             </a:extLst>
           </a:blip>
@@ -11492,7 +11603,7 @@
                 <a14:useLocalDpi xmlns:a14="http://schemas.microsoft.com/office/drawing/2010/main" val="0"/>
               </a:ext>
               <a:ext uri="{96DAC541-7B7A-43D3-8B79-37D633B846F1}">
-                <asvg:svgBlip xmlns:asvg="http://schemas.microsoft.com/office/drawing/2016/SVG/main" xmlns="" r:embed="rId13"/>
+                <asvg:svgBlip xmlns="" xmlns:asvg="http://schemas.microsoft.com/office/drawing/2016/SVG/main" r:embed="rId13"/>
               </a:ext>
             </a:extLst>
           </a:blip>
@@ -11856,7 +11967,7 @@
                 <a14:useLocalDpi xmlns:a14="http://schemas.microsoft.com/office/drawing/2010/main" val="0"/>
               </a:ext>
               <a:ext uri="{96DAC541-7B7A-43D3-8B79-37D633B846F1}">
-                <asvg:svgBlip xmlns:asvg="http://schemas.microsoft.com/office/drawing/2016/SVG/main" xmlns="" r:embed="rId3"/>
+                <asvg:svgBlip xmlns="" xmlns:asvg="http://schemas.microsoft.com/office/drawing/2016/SVG/main" r:embed="rId3"/>
               </a:ext>
             </a:extLst>
           </a:blip>
@@ -12071,7 +12182,7 @@
                 <a14:useLocalDpi xmlns:a14="http://schemas.microsoft.com/office/drawing/2010/main" val="0"/>
               </a:ext>
               <a:ext uri="{96DAC541-7B7A-43D3-8B79-37D633B846F1}">
-                <asvg:svgBlip xmlns:asvg="http://schemas.microsoft.com/office/drawing/2016/SVG/main" xmlns="" r:embed="rId3"/>
+                <asvg:svgBlip xmlns="" xmlns:asvg="http://schemas.microsoft.com/office/drawing/2016/SVG/main" r:embed="rId3"/>
               </a:ext>
             </a:extLst>
           </a:blip>

--- a/instructors/01-Why_are_we_here.pptx
+++ b/instructors/01-Why_are_we_here.pptx
@@ -5,7 +5,7 @@
     <p:sldMasterId id="2147483648" r:id="rId1"/>
   </p:sldMasterIdLst>
   <p:notesMasterIdLst>
-    <p:notesMasterId r:id="rId26"/>
+    <p:notesMasterId r:id="rId29"/>
   </p:notesMasterIdLst>
   <p:sldIdLst>
     <p:sldId id="256" r:id="rId2"/>
@@ -15,23 +15,26 @@
     <p:sldId id="264" r:id="rId6"/>
     <p:sldId id="265" r:id="rId7"/>
     <p:sldId id="263" r:id="rId8"/>
-    <p:sldId id="266" r:id="rId9"/>
-    <p:sldId id="267" r:id="rId10"/>
-    <p:sldId id="258" r:id="rId11"/>
-    <p:sldId id="259" r:id="rId12"/>
-    <p:sldId id="268" r:id="rId13"/>
-    <p:sldId id="269" r:id="rId14"/>
-    <p:sldId id="270" r:id="rId15"/>
-    <p:sldId id="271" r:id="rId16"/>
-    <p:sldId id="273" r:id="rId17"/>
-    <p:sldId id="272" r:id="rId18"/>
-    <p:sldId id="274" r:id="rId19"/>
-    <p:sldId id="275" r:id="rId20"/>
-    <p:sldId id="276" r:id="rId21"/>
-    <p:sldId id="277" r:id="rId22"/>
-    <p:sldId id="278" r:id="rId23"/>
-    <p:sldId id="260" r:id="rId24"/>
-    <p:sldId id="261" r:id="rId25"/>
+    <p:sldId id="280" r:id="rId9"/>
+    <p:sldId id="281" r:id="rId10"/>
+    <p:sldId id="282" r:id="rId11"/>
+    <p:sldId id="266" r:id="rId12"/>
+    <p:sldId id="267" r:id="rId13"/>
+    <p:sldId id="258" r:id="rId14"/>
+    <p:sldId id="259" r:id="rId15"/>
+    <p:sldId id="268" r:id="rId16"/>
+    <p:sldId id="269" r:id="rId17"/>
+    <p:sldId id="270" r:id="rId18"/>
+    <p:sldId id="271" r:id="rId19"/>
+    <p:sldId id="273" r:id="rId20"/>
+    <p:sldId id="272" r:id="rId21"/>
+    <p:sldId id="274" r:id="rId22"/>
+    <p:sldId id="275" r:id="rId23"/>
+    <p:sldId id="276" r:id="rId24"/>
+    <p:sldId id="277" r:id="rId25"/>
+    <p:sldId id="278" r:id="rId26"/>
+    <p:sldId id="260" r:id="rId27"/>
+    <p:sldId id="261" r:id="rId28"/>
   </p:sldIdLst>
   <p:sldSz cx="12192000" cy="6858000"/>
   <p:notesSz cx="6858000" cy="9144000"/>
@@ -220,7 +223,7 @@
           <a:p>
             <a:fld id="{B1D4AFAA-5545-4348-866E-082827204B28}" type="datetimeFigureOut">
               <a:rPr lang="en-GB" smtClean="0"/>
-              <a:t>22/08/2022</a:t>
+              <a:t>14/12/2022</a:t>
             </a:fld>
             <a:endParaRPr lang="en-GB"/>
           </a:p>
@@ -642,7 +645,7 @@
           <a:p>
             <a:fld id="{ECFFB44E-D000-426C-9F9B-769AE7CC186C}" type="slidenum">
               <a:rPr lang="en-GB" smtClean="0"/>
-              <a:t>21</a:t>
+              <a:t>24</a:t>
             </a:fld>
             <a:endParaRPr lang="en-GB"/>
           </a:p>
@@ -792,7 +795,7 @@
           <a:p>
             <a:fld id="{CC29EC85-173F-467E-B364-65AD14726A23}" type="datetimeFigureOut">
               <a:rPr lang="en-GB" smtClean="0"/>
-              <a:t>22/08/2022</a:t>
+              <a:t>14/12/2022</a:t>
             </a:fld>
             <a:endParaRPr lang="en-GB"/>
           </a:p>
@@ -1009,7 +1012,7 @@
           <a:p>
             <a:fld id="{CC29EC85-173F-467E-B364-65AD14726A23}" type="datetimeFigureOut">
               <a:rPr lang="en-GB" smtClean="0"/>
-              <a:t>22/08/2022</a:t>
+              <a:t>14/12/2022</a:t>
             </a:fld>
             <a:endParaRPr lang="en-GB"/>
           </a:p>
@@ -1189,7 +1192,7 @@
           <a:p>
             <a:fld id="{CC29EC85-173F-467E-B364-65AD14726A23}" type="datetimeFigureOut">
               <a:rPr lang="en-GB" smtClean="0"/>
-              <a:t>22/08/2022</a:t>
+              <a:t>14/12/2022</a:t>
             </a:fld>
             <a:endParaRPr lang="en-GB"/>
           </a:p>
@@ -1552,7 +1555,7 @@
           <a:p>
             <a:fld id="{CC29EC85-173F-467E-B364-65AD14726A23}" type="datetimeFigureOut">
               <a:rPr lang="en-GB" smtClean="0"/>
-              <a:t>22/08/2022</a:t>
+              <a:t>14/12/2022</a:t>
             </a:fld>
             <a:endParaRPr lang="en-GB"/>
           </a:p>
@@ -1798,7 +1801,7 @@
           <a:p>
             <a:fld id="{CC29EC85-173F-467E-B364-65AD14726A23}" type="datetimeFigureOut">
               <a:rPr lang="en-GB" smtClean="0"/>
-              <a:t>22/08/2022</a:t>
+              <a:t>14/12/2022</a:t>
             </a:fld>
             <a:endParaRPr lang="en-GB"/>
           </a:p>
@@ -2030,7 +2033,7 @@
           <a:p>
             <a:fld id="{CC29EC85-173F-467E-B364-65AD14726A23}" type="datetimeFigureOut">
               <a:rPr lang="en-GB" smtClean="0"/>
-              <a:t>22/08/2022</a:t>
+              <a:t>14/12/2022</a:t>
             </a:fld>
             <a:endParaRPr lang="en-GB"/>
           </a:p>
@@ -2397,7 +2400,7 @@
           <a:p>
             <a:fld id="{CC29EC85-173F-467E-B364-65AD14726A23}" type="datetimeFigureOut">
               <a:rPr lang="en-GB" smtClean="0"/>
-              <a:t>22/08/2022</a:t>
+              <a:t>14/12/2022</a:t>
             </a:fld>
             <a:endParaRPr lang="en-GB"/>
           </a:p>
@@ -2515,7 +2518,7 @@
           <a:p>
             <a:fld id="{CC29EC85-173F-467E-B364-65AD14726A23}" type="datetimeFigureOut">
               <a:rPr lang="en-GB" smtClean="0"/>
-              <a:t>22/08/2022</a:t>
+              <a:t>14/12/2022</a:t>
             </a:fld>
             <a:endParaRPr lang="en-GB"/>
           </a:p>
@@ -2610,7 +2613,7 @@
           <a:p>
             <a:fld id="{CC29EC85-173F-467E-B364-65AD14726A23}" type="datetimeFigureOut">
               <a:rPr lang="en-GB" smtClean="0"/>
-              <a:t>22/08/2022</a:t>
+              <a:t>14/12/2022</a:t>
             </a:fld>
             <a:endParaRPr lang="en-GB"/>
           </a:p>
@@ -2887,7 +2890,7 @@
           <a:p>
             <a:fld id="{CC29EC85-173F-467E-B364-65AD14726A23}" type="datetimeFigureOut">
               <a:rPr lang="en-GB" smtClean="0"/>
-              <a:t>22/08/2022</a:t>
+              <a:t>14/12/2022</a:t>
             </a:fld>
             <a:endParaRPr lang="en-GB"/>
           </a:p>
@@ -3140,7 +3143,7 @@
           <a:p>
             <a:fld id="{CC29EC85-173F-467E-B364-65AD14726A23}" type="datetimeFigureOut">
               <a:rPr lang="en-GB" smtClean="0"/>
-              <a:t>22/08/2022</a:t>
+              <a:t>14/12/2022</a:t>
             </a:fld>
             <a:endParaRPr lang="en-GB"/>
           </a:p>
@@ -3352,7 +3355,7 @@
             <a:fld id="{CC29EC85-173F-467E-B364-65AD14726A23}" type="datetimeFigureOut">
               <a:rPr lang="en-GB" smtClean="0"/>
               <a:pPr/>
-              <a:t>22/08/2022</a:t>
+              <a:t>14/12/2022</a:t>
             </a:fld>
             <a:endParaRPr lang="en-GB"/>
           </a:p>
@@ -3976,6 +3979,577 @@
 </file>
 
 <file path=ppt/slides/slide10.xml><?xml version="1.0" encoding="utf-8"?>
+<p:sld xmlns:a="http://schemas.openxmlformats.org/drawingml/2006/main" xmlns:r="http://schemas.openxmlformats.org/officeDocument/2006/relationships" xmlns:p="http://schemas.openxmlformats.org/presentationml/2006/main">
+  <p:cSld>
+    <p:spTree>
+      <p:nvGrpSpPr>
+        <p:cNvPr id="1" name=""/>
+        <p:cNvGrpSpPr/>
+        <p:nvPr/>
+      </p:nvGrpSpPr>
+      <p:grpSpPr>
+        <a:xfrm>
+          <a:off x="0" y="0"/>
+          <a:ext cx="0" cy="0"/>
+          <a:chOff x="0" y="0"/>
+          <a:chExt cx="0" cy="0"/>
+        </a:xfrm>
+      </p:grpSpPr>
+      <p:sp>
+        <p:nvSpPr>
+          <p:cNvPr id="2" name="Title 1">
+            <a:extLst>
+              <a:ext uri="{FF2B5EF4-FFF2-40B4-BE49-F238E27FC236}">
+                <a16:creationId xmlns:a16="http://schemas.microsoft.com/office/drawing/2014/main" id="{BA9DA74F-73B3-421A-BD2A-363B267769ED}"/>
+              </a:ext>
+            </a:extLst>
+          </p:cNvPr>
+          <p:cNvSpPr>
+            <a:spLocks noGrp="1"/>
+          </p:cNvSpPr>
+          <p:nvPr>
+            <p:ph type="title"/>
+          </p:nvPr>
+        </p:nvSpPr>
+        <p:spPr>
+          <a:xfrm>
+            <a:off x="965199" y="851517"/>
+            <a:ext cx="5130795" cy="1461778"/>
+          </a:xfrm>
+        </p:spPr>
+        <p:txBody>
+          <a:bodyPr>
+            <a:normAutofit/>
+          </a:bodyPr>
+          <a:lstStyle/>
+          <a:p>
+            <a:r>
+              <a:rPr lang="pl-PL" sz="4000"/>
+              <a:t>Outcomes</a:t>
+            </a:r>
+            <a:r>
+              <a:rPr lang="en-GB" sz="4000"/>
+              <a:t> of Openness</a:t>
+            </a:r>
+          </a:p>
+        </p:txBody>
+      </p:sp>
+      <p:sp>
+        <p:nvSpPr>
+          <p:cNvPr id="3" name="Content Placeholder 2">
+            <a:extLst>
+              <a:ext uri="{FF2B5EF4-FFF2-40B4-BE49-F238E27FC236}">
+                <a16:creationId xmlns:a16="http://schemas.microsoft.com/office/drawing/2014/main" id="{D7A3F2CD-AB38-44C7-977C-EDF39BD02DB3}"/>
+              </a:ext>
+            </a:extLst>
+          </p:cNvPr>
+          <p:cNvSpPr>
+            <a:spLocks noGrp="1"/>
+          </p:cNvSpPr>
+          <p:nvPr>
+            <p:ph idx="1"/>
+          </p:nvPr>
+        </p:nvSpPr>
+        <p:spPr>
+          <a:xfrm>
+            <a:off x="965200" y="2470248"/>
+            <a:ext cx="4048344" cy="3536236"/>
+          </a:xfrm>
+        </p:spPr>
+        <p:txBody>
+          <a:bodyPr>
+            <a:normAutofit/>
+          </a:bodyPr>
+          <a:lstStyle/>
+          <a:p>
+            <a:r>
+              <a:rPr lang="pl-PL" sz="2400" dirty="0"/>
+              <a:t>Collaboration</a:t>
+            </a:r>
+          </a:p>
+          <a:p>
+            <a:r>
+              <a:rPr lang="pl-PL" sz="2400" dirty="0" err="1"/>
+              <a:t>Speed</a:t>
+            </a:r>
+            <a:endParaRPr lang="pl-PL" sz="2400" dirty="0"/>
+          </a:p>
+          <a:p>
+            <a:r>
+              <a:rPr lang="pl-PL" sz="2400" dirty="0" smtClean="0"/>
+              <a:t>Unpublished/negative </a:t>
+            </a:r>
+            <a:r>
+              <a:rPr lang="pl-PL" sz="2400" dirty="0"/>
+              <a:t>results</a:t>
+            </a:r>
+          </a:p>
+          <a:p>
+            <a:r>
+              <a:rPr lang="pl-PL" sz="2400" dirty="0"/>
+              <a:t>Re-</a:t>
+            </a:r>
+            <a:r>
+              <a:rPr lang="pl-PL" sz="2400" dirty="0" err="1"/>
+              <a:t>use</a:t>
+            </a:r>
+            <a:endParaRPr lang="pl-PL" sz="2400" dirty="0"/>
+          </a:p>
+          <a:p>
+            <a:r>
+              <a:rPr lang="pl-PL" sz="2400" dirty="0" err="1"/>
+              <a:t>Learn</a:t>
+            </a:r>
+            <a:r>
+              <a:rPr lang="pl-PL" sz="2400" dirty="0"/>
+              <a:t> by </a:t>
+            </a:r>
+            <a:r>
+              <a:rPr lang="pl-PL" sz="2400" dirty="0" err="1"/>
+              <a:t>example</a:t>
+            </a:r>
+            <a:endParaRPr lang="pl-PL" sz="2400" dirty="0"/>
+          </a:p>
+          <a:p>
+            <a:r>
+              <a:rPr lang="pl-PL" sz="2400" dirty="0"/>
+              <a:t>Feedback</a:t>
+            </a:r>
+          </a:p>
+          <a:p>
+            <a:endParaRPr lang="pl-PL" sz="2400" dirty="0"/>
+          </a:p>
+          <a:p>
+            <a:endParaRPr lang="pl-PL" sz="2400" dirty="0"/>
+          </a:p>
+          <a:p>
+            <a:endParaRPr lang="pl-PL" sz="2400" dirty="0"/>
+          </a:p>
+          <a:p>
+            <a:pPr marL="0" indent="0">
+              <a:buNone/>
+            </a:pPr>
+            <a:endParaRPr lang="en-GB" sz="2400" dirty="0"/>
+          </a:p>
+          <a:p>
+            <a:endParaRPr lang="en-GB" sz="2400" dirty="0"/>
+          </a:p>
+        </p:txBody>
+      </p:sp>
+      <p:pic>
+        <p:nvPicPr>
+          <p:cNvPr id="7" name="Graphic 6" descr="Questionnaire">
+            <a:extLst>
+              <a:ext uri="{FF2B5EF4-FFF2-40B4-BE49-F238E27FC236}">
+                <a16:creationId xmlns:a16="http://schemas.microsoft.com/office/drawing/2014/main" id="{EF48B542-D926-429F-B4A1-391E8A5A4940}"/>
+              </a:ext>
+            </a:extLst>
+          </p:cNvPr>
+          <p:cNvPicPr>
+            <a:picLocks noChangeAspect="1"/>
+          </p:cNvPicPr>
+          <p:nvPr/>
+        </p:nvPicPr>
+        <p:blipFill>
+          <a:blip r:embed="rId2">
+            <a:extLst>
+              <a:ext uri="{28A0092B-C50C-407E-A947-70E740481C1C}">
+                <a14:useLocalDpi xmlns:a14="http://schemas.microsoft.com/office/drawing/2010/main" val="0"/>
+              </a:ext>
+              <a:ext uri="{96DAC541-7B7A-43D3-8B79-37D633B846F1}">
+                <asvg:svgBlip xmlns="" xmlns:asvg="http://schemas.microsoft.com/office/drawing/2016/SVG/main" r:embed="rId3"/>
+              </a:ext>
+            </a:extLst>
+          </a:blip>
+          <a:stretch>
+            <a:fillRect/>
+          </a:stretch>
+        </p:blipFill>
+        <p:spPr>
+          <a:xfrm>
+            <a:off x="7535330" y="2105470"/>
+            <a:ext cx="3217333" cy="3217333"/>
+          </a:xfrm>
+          <a:prstGeom prst="rect">
+            <a:avLst/>
+          </a:prstGeom>
+        </p:spPr>
+      </p:pic>
+    </p:spTree>
+    <p:extLst>
+      <p:ext uri="{BB962C8B-B14F-4D97-AF65-F5344CB8AC3E}">
+        <p14:creationId xmlns:p14="http://schemas.microsoft.com/office/powerpoint/2010/main" val="2056280142"/>
+      </p:ext>
+    </p:extLst>
+  </p:cSld>
+  <p:clrMapOvr>
+    <a:masterClrMapping/>
+  </p:clrMapOvr>
+</p:sld>
+</file>
+
+<file path=ppt/slides/slide11.xml><?xml version="1.0" encoding="utf-8"?>
+<p:sld xmlns:a="http://schemas.openxmlformats.org/drawingml/2006/main" xmlns:r="http://schemas.openxmlformats.org/officeDocument/2006/relationships" xmlns:p="http://schemas.openxmlformats.org/presentationml/2006/main">
+  <p:cSld>
+    <p:spTree>
+      <p:nvGrpSpPr>
+        <p:cNvPr id="1" name=""/>
+        <p:cNvGrpSpPr/>
+        <p:nvPr/>
+      </p:nvGrpSpPr>
+      <p:grpSpPr>
+        <a:xfrm>
+          <a:off x="0" y="0"/>
+          <a:ext cx="0" cy="0"/>
+          <a:chOff x="0" y="0"/>
+          <a:chExt cx="0" cy="0"/>
+        </a:xfrm>
+      </p:grpSpPr>
+      <p:sp>
+        <p:nvSpPr>
+          <p:cNvPr id="2" name="Title 1">
+            <a:extLst>
+              <a:ext uri="{FF2B5EF4-FFF2-40B4-BE49-F238E27FC236}">
+                <a16:creationId xmlns:a16="http://schemas.microsoft.com/office/drawing/2014/main" id="{11B7B386-6AB6-43AA-AD55-F2D183907889}"/>
+              </a:ext>
+            </a:extLst>
+          </p:cNvPr>
+          <p:cNvSpPr>
+            <a:spLocks noGrp="1"/>
+          </p:cNvSpPr>
+          <p:nvPr>
+            <p:ph type="title"/>
+          </p:nvPr>
+        </p:nvSpPr>
+        <p:spPr/>
+        <p:txBody>
+          <a:bodyPr>
+            <a:normAutofit/>
+          </a:bodyPr>
+          <a:lstStyle/>
+          <a:p>
+            <a:r>
+              <a:rPr lang="en-GB" sz="3600" dirty="0"/>
+              <a:t>Why we are not doing Open </a:t>
+            </a:r>
+            <a:r>
+              <a:rPr lang="en-GB" sz="3600" dirty="0" smtClean="0"/>
+              <a:t>Science</a:t>
+            </a:r>
+            <a:r>
+              <a:rPr lang="pl-PL" sz="3600" dirty="0" smtClean="0"/>
+              <a:t> / Data Sharing</a:t>
+            </a:r>
+            <a:endParaRPr lang="en-GB" sz="3600" dirty="0"/>
+          </a:p>
+        </p:txBody>
+      </p:sp>
+      <p:sp>
+        <p:nvSpPr>
+          <p:cNvPr id="3" name="Content Placeholder 2">
+            <a:extLst>
+              <a:ext uri="{FF2B5EF4-FFF2-40B4-BE49-F238E27FC236}">
+                <a16:creationId xmlns:a16="http://schemas.microsoft.com/office/drawing/2014/main" id="{3D2C3108-0F0E-4BF6-95E5-2F68D67F17CF}"/>
+              </a:ext>
+            </a:extLst>
+          </p:cNvPr>
+          <p:cNvSpPr>
+            <a:spLocks noGrp="1"/>
+          </p:cNvSpPr>
+          <p:nvPr>
+            <p:ph idx="1"/>
+          </p:nvPr>
+        </p:nvSpPr>
+        <p:spPr/>
+        <p:txBody>
+          <a:bodyPr/>
+          <a:lstStyle/>
+          <a:p>
+            <a:pPr marL="0" indent="0">
+              <a:buNone/>
+            </a:pPr>
+            <a:r>
+              <a:rPr lang="en-GB" dirty="0"/>
+              <a:t>….</a:t>
+            </a:r>
+          </a:p>
+        </p:txBody>
+      </p:sp>
+      <p:pic>
+        <p:nvPicPr>
+          <p:cNvPr id="5" name="Graphic 4" descr="Questions with solid fill">
+            <a:extLst>
+              <a:ext uri="{FF2B5EF4-FFF2-40B4-BE49-F238E27FC236}">
+                <a16:creationId xmlns:a16="http://schemas.microsoft.com/office/drawing/2014/main" id="{C1ED6655-99B8-4141-B04D-0310CB8BE21C}"/>
+              </a:ext>
+            </a:extLst>
+          </p:cNvPr>
+          <p:cNvPicPr>
+            <a:picLocks noChangeAspect="1"/>
+          </p:cNvPicPr>
+          <p:nvPr/>
+        </p:nvPicPr>
+        <p:blipFill>
+          <a:blip r:embed="rId2">
+            <a:extLst>
+              <a:ext uri="{28A0092B-C50C-407E-A947-70E740481C1C}">
+                <a14:useLocalDpi xmlns:a14="http://schemas.microsoft.com/office/drawing/2010/main" val="0"/>
+              </a:ext>
+              <a:ext uri="{96DAC541-7B7A-43D3-8B79-37D633B846F1}">
+                <asvg:svgBlip xmlns:asvg="http://schemas.microsoft.com/office/drawing/2016/SVG/main" xmlns="" r:embed="rId3"/>
+              </a:ext>
+            </a:extLst>
+          </a:blip>
+          <a:stretch>
+            <a:fillRect/>
+          </a:stretch>
+        </p:blipFill>
+        <p:spPr>
+          <a:xfrm>
+            <a:off x="8494776" y="1999488"/>
+            <a:ext cx="2859024" cy="2859024"/>
+          </a:xfrm>
+          <a:prstGeom prst="rect">
+            <a:avLst/>
+          </a:prstGeom>
+        </p:spPr>
+      </p:pic>
+    </p:spTree>
+    <p:extLst>
+      <p:ext uri="{BB962C8B-B14F-4D97-AF65-F5344CB8AC3E}">
+        <p14:creationId xmlns:p14="http://schemas.microsoft.com/office/powerpoint/2010/main" val="2607403243"/>
+      </p:ext>
+    </p:extLst>
+  </p:cSld>
+  <p:clrMapOvr>
+    <a:masterClrMapping/>
+  </p:clrMapOvr>
+  <p:timing>
+    <p:tnLst>
+      <p:par>
+        <p:cTn id="1" dur="indefinite" restart="never" nodeType="tmRoot"/>
+      </p:par>
+    </p:tnLst>
+  </p:timing>
+</p:sld>
+</file>
+
+<file path=ppt/slides/slide12.xml><?xml version="1.0" encoding="utf-8"?>
+<p:sld xmlns:a="http://schemas.openxmlformats.org/drawingml/2006/main" xmlns:r="http://schemas.openxmlformats.org/officeDocument/2006/relationships" xmlns:p="http://schemas.openxmlformats.org/presentationml/2006/main">
+  <p:cSld>
+    <p:spTree>
+      <p:nvGrpSpPr>
+        <p:cNvPr id="1" name=""/>
+        <p:cNvGrpSpPr/>
+        <p:nvPr/>
+      </p:nvGrpSpPr>
+      <p:grpSpPr>
+        <a:xfrm>
+          <a:off x="0" y="0"/>
+          <a:ext cx="0" cy="0"/>
+          <a:chOff x="0" y="0"/>
+          <a:chExt cx="0" cy="0"/>
+        </a:xfrm>
+      </p:grpSpPr>
+      <p:sp>
+        <p:nvSpPr>
+          <p:cNvPr id="2" name="Title 1">
+            <a:extLst>
+              <a:ext uri="{FF2B5EF4-FFF2-40B4-BE49-F238E27FC236}">
+                <a16:creationId xmlns:a16="http://schemas.microsoft.com/office/drawing/2014/main" id="{11B7B386-6AB6-43AA-AD55-F2D183907889}"/>
+              </a:ext>
+            </a:extLst>
+          </p:cNvPr>
+          <p:cNvSpPr>
+            <a:spLocks noGrp="1"/>
+          </p:cNvSpPr>
+          <p:nvPr>
+            <p:ph type="title"/>
+          </p:nvPr>
+        </p:nvSpPr>
+        <p:spPr/>
+        <p:txBody>
+          <a:bodyPr>
+            <a:normAutofit/>
+          </a:bodyPr>
+          <a:lstStyle/>
+          <a:p>
+            <a:r>
+              <a:rPr lang="en-GB" sz="3600" dirty="0"/>
+              <a:t>Why we are not doing Open Science </a:t>
+            </a:r>
+            <a:r>
+              <a:rPr lang="pl-PL" sz="3600" dirty="0" smtClean="0"/>
+              <a:t>/ Data Sharing</a:t>
+            </a:r>
+            <a:endParaRPr lang="en-GB" sz="3600" dirty="0"/>
+          </a:p>
+        </p:txBody>
+      </p:sp>
+      <p:sp>
+        <p:nvSpPr>
+          <p:cNvPr id="3" name="Content Placeholder 2">
+            <a:extLst>
+              <a:ext uri="{FF2B5EF4-FFF2-40B4-BE49-F238E27FC236}">
+                <a16:creationId xmlns:a16="http://schemas.microsoft.com/office/drawing/2014/main" id="{3D2C3108-0F0E-4BF6-95E5-2F68D67F17CF}"/>
+              </a:ext>
+            </a:extLst>
+          </p:cNvPr>
+          <p:cNvSpPr>
+            <a:spLocks noGrp="1"/>
+          </p:cNvSpPr>
+          <p:nvPr>
+            <p:ph idx="1"/>
+          </p:nvPr>
+        </p:nvSpPr>
+        <p:spPr/>
+        <p:txBody>
+          <a:bodyPr>
+            <a:normAutofit lnSpcReduction="10000"/>
+          </a:bodyPr>
+          <a:lstStyle/>
+          <a:p>
+            <a:pPr>
+              <a:lnSpc>
+                <a:spcPct val="150000"/>
+              </a:lnSpc>
+            </a:pPr>
+            <a:r>
+              <a:rPr lang="en-GB" dirty="0"/>
+              <a:t>lack</a:t>
+            </a:r>
+            <a:r>
+              <a:rPr lang="pl-PL" dirty="0"/>
+              <a:t> of </a:t>
+            </a:r>
+            <a:r>
+              <a:rPr lang="en-GB" dirty="0"/>
+              <a:t>expertise</a:t>
+            </a:r>
+          </a:p>
+          <a:p>
+            <a:pPr>
+              <a:lnSpc>
+                <a:spcPct val="150000"/>
+              </a:lnSpc>
+            </a:pPr>
+            <a:r>
+              <a:rPr lang="en-GB" dirty="0"/>
+              <a:t>sensitive data</a:t>
+            </a:r>
+          </a:p>
+          <a:p>
+            <a:pPr>
+              <a:lnSpc>
+                <a:spcPct val="150000"/>
+              </a:lnSpc>
+            </a:pPr>
+            <a:r>
+              <a:rPr lang="en-GB" dirty="0"/>
+              <a:t>misuse (fake news)</a:t>
+            </a:r>
+          </a:p>
+          <a:p>
+            <a:pPr>
+              <a:lnSpc>
+                <a:spcPct val="150000"/>
+              </a:lnSpc>
+            </a:pPr>
+            <a:r>
+              <a:rPr lang="en-GB" dirty="0"/>
+              <a:t>lack of confidence (the fear of critics)</a:t>
+            </a:r>
+          </a:p>
+          <a:p>
+            <a:pPr>
+              <a:lnSpc>
+                <a:spcPct val="150000"/>
+              </a:lnSpc>
+            </a:pPr>
+            <a:r>
+              <a:rPr lang="en-GB" b="1" dirty="0"/>
+              <a:t>the costs in $ and in time</a:t>
+            </a:r>
+          </a:p>
+          <a:p>
+            <a:pPr>
+              <a:lnSpc>
+                <a:spcPct val="150000"/>
+              </a:lnSpc>
+            </a:pPr>
+            <a:r>
+              <a:rPr lang="en-GB" dirty="0"/>
+              <a:t>IP</a:t>
+            </a:r>
+          </a:p>
+          <a:p>
+            <a:endParaRPr lang="en-GB" dirty="0"/>
+          </a:p>
+          <a:p>
+            <a:endParaRPr lang="en-GB" dirty="0"/>
+          </a:p>
+        </p:txBody>
+      </p:sp>
+      <p:pic>
+        <p:nvPicPr>
+          <p:cNvPr id="4" name="Graphic 3" descr="Questions with solid fill">
+            <a:extLst>
+              <a:ext uri="{FF2B5EF4-FFF2-40B4-BE49-F238E27FC236}">
+                <a16:creationId xmlns:a16="http://schemas.microsoft.com/office/drawing/2014/main" id="{9CCF3C30-FAA2-344D-BFE7-AADFBAB5A71D}"/>
+              </a:ext>
+            </a:extLst>
+          </p:cNvPr>
+          <p:cNvPicPr>
+            <a:picLocks noChangeAspect="1"/>
+          </p:cNvPicPr>
+          <p:nvPr/>
+        </p:nvPicPr>
+        <p:blipFill>
+          <a:blip r:embed="rId2">
+            <a:extLst>
+              <a:ext uri="{28A0092B-C50C-407E-A947-70E740481C1C}">
+                <a14:useLocalDpi xmlns:a14="http://schemas.microsoft.com/office/drawing/2010/main" val="0"/>
+              </a:ext>
+              <a:ext uri="{96DAC541-7B7A-43D3-8B79-37D633B846F1}">
+                <asvg:svgBlip xmlns:asvg="http://schemas.microsoft.com/office/drawing/2016/SVG/main" xmlns="" r:embed="rId3"/>
+              </a:ext>
+            </a:extLst>
+          </a:blip>
+          <a:stretch>
+            <a:fillRect/>
+          </a:stretch>
+        </p:blipFill>
+        <p:spPr>
+          <a:xfrm>
+            <a:off x="8494776" y="1999488"/>
+            <a:ext cx="2859024" cy="2859024"/>
+          </a:xfrm>
+          <a:prstGeom prst="rect">
+            <a:avLst/>
+          </a:prstGeom>
+        </p:spPr>
+      </p:pic>
+    </p:spTree>
+    <p:extLst>
+      <p:ext uri="{BB962C8B-B14F-4D97-AF65-F5344CB8AC3E}">
+        <p14:creationId xmlns:p14="http://schemas.microsoft.com/office/powerpoint/2010/main" val="1509898712"/>
+      </p:ext>
+    </p:extLst>
+  </p:cSld>
+  <p:clrMapOvr>
+    <a:masterClrMapping/>
+  </p:clrMapOvr>
+  <p:timing>
+    <p:tnLst>
+      <p:par>
+        <p:cTn id="1" dur="indefinite" restart="never" nodeType="tmRoot"/>
+      </p:par>
+    </p:tnLst>
+  </p:timing>
+</p:sld>
+</file>
+
+<file path=ppt/slides/slide13.xml><?xml version="1.0" encoding="utf-8"?>
 <p:sld xmlns:a="http://schemas.openxmlformats.org/drawingml/2006/main" xmlns:r="http://schemas.openxmlformats.org/officeDocument/2006/relationships" xmlns:p="http://schemas.openxmlformats.org/presentationml/2006/main">
   <p:cSld>
     <p:spTree>
@@ -5248,7 +5822,7 @@
             <a:effectLst/>
             <a:extLst>
               <a:ext uri="{AF507438-7753-43e0-B8FC-AC1667EBCBE1}">
-                <a14:hiddenEffects xmlns="" xmlns:a14="http://schemas.microsoft.com/office/drawing/2010/main">
+                <a14:hiddenEffects xmlns:a14="http://schemas.microsoft.com/office/drawing/2010/main" xmlns="">
                   <a:effectLst>
                     <a:outerShdw dist="35921" dir="2700000" algn="ctr" rotWithShape="0">
                       <a:schemeClr val="bg2"/>
@@ -5310,7 +5884,7 @@
             <a:effectLst/>
             <a:extLst>
               <a:ext uri="{AF507438-7753-43e0-B8FC-AC1667EBCBE1}">
-                <a14:hiddenEffects xmlns="" xmlns:a14="http://schemas.microsoft.com/office/drawing/2010/main">
+                <a14:hiddenEffects xmlns:a14="http://schemas.microsoft.com/office/drawing/2010/main" xmlns="">
                   <a:effectLst>
                     <a:outerShdw dist="35921" dir="2700000" algn="ctr" rotWithShape="0">
                       <a:schemeClr val="bg2"/>
@@ -5372,7 +5946,7 @@
             <a:effectLst/>
             <a:extLst>
               <a:ext uri="{AF507438-7753-43e0-B8FC-AC1667EBCBE1}">
-                <a14:hiddenEffects xmlns="" xmlns:a14="http://schemas.microsoft.com/office/drawing/2010/main">
+                <a14:hiddenEffects xmlns:a14="http://schemas.microsoft.com/office/drawing/2010/main" xmlns="">
                   <a:effectLst>
                     <a:outerShdw dist="35921" dir="2700000" algn="ctr" rotWithShape="0">
                       <a:schemeClr val="bg2"/>
@@ -5489,7 +6063,7 @@
 </p:sld>
 </file>
 
-<file path=ppt/slides/slide11.xml><?xml version="1.0" encoding="utf-8"?>
+<file path=ppt/slides/slide14.xml><?xml version="1.0" encoding="utf-8"?>
 <p:sld xmlns:a="http://schemas.openxmlformats.org/drawingml/2006/main" xmlns:r="http://schemas.openxmlformats.org/officeDocument/2006/relationships" xmlns:p="http://schemas.openxmlformats.org/presentationml/2006/main">
   <p:cSld>
     <p:spTree>
@@ -5578,7 +6152,7 @@
           <a:effectLst/>
           <a:extLst>
             <a:ext uri="{AF507438-7753-43e0-B8FC-AC1667EBCBE1}">
-              <a14:hiddenEffects xmlns="" xmlns:a14="http://schemas.microsoft.com/office/drawing/2010/main">
+              <a14:hiddenEffects xmlns:a14="http://schemas.microsoft.com/office/drawing/2010/main" xmlns="">
                 <a:effectLst>
                   <a:outerShdw dist="35921" dir="2700000" algn="ctr" rotWithShape="0">
                     <a:schemeClr val="bg2"/>
@@ -5909,7 +6483,7 @@
             <a:effectLst/>
             <a:extLst>
               <a:ext uri="{AF507438-7753-43e0-B8FC-AC1667EBCBE1}">
-                <a14:hiddenEffects xmlns="" xmlns:a14="http://schemas.microsoft.com/office/drawing/2010/main">
+                <a14:hiddenEffects xmlns:a14="http://schemas.microsoft.com/office/drawing/2010/main" xmlns="">
                   <a:effectLst>
                     <a:outerShdw dist="35921" dir="2700000" algn="ctr" rotWithShape="0">
                       <a:schemeClr val="bg2"/>
@@ -5971,7 +6545,7 @@
             <a:effectLst/>
             <a:extLst>
               <a:ext uri="{AF507438-7753-43e0-B8FC-AC1667EBCBE1}">
-                <a14:hiddenEffects xmlns="" xmlns:a14="http://schemas.microsoft.com/office/drawing/2010/main">
+                <a14:hiddenEffects xmlns:a14="http://schemas.microsoft.com/office/drawing/2010/main" xmlns="">
                   <a:effectLst>
                     <a:outerShdw dist="35921" dir="2700000" algn="ctr" rotWithShape="0">
                       <a:schemeClr val="bg2"/>
@@ -6048,7 +6622,7 @@
             <a:effectLst/>
             <a:extLst>
               <a:ext uri="{AF507438-7753-43e0-B8FC-AC1667EBCBE1}">
-                <a14:hiddenEffects xmlns="" xmlns:a14="http://schemas.microsoft.com/office/drawing/2010/main">
+                <a14:hiddenEffects xmlns:a14="http://schemas.microsoft.com/office/drawing/2010/main" xmlns="">
                   <a:effectLst>
                     <a:outerShdw dist="35921" dir="2700000" algn="ctr" rotWithShape="0">
                       <a:schemeClr val="bg2"/>
@@ -6110,7 +6684,7 @@
             <a:effectLst/>
             <a:extLst>
               <a:ext uri="{AF507438-7753-43e0-B8FC-AC1667EBCBE1}">
-                <a14:hiddenEffects xmlns="" xmlns:a14="http://schemas.microsoft.com/office/drawing/2010/main">
+                <a14:hiddenEffects xmlns:a14="http://schemas.microsoft.com/office/drawing/2010/main" xmlns="">
                   <a:effectLst>
                     <a:outerShdw dist="35921" dir="2700000" algn="ctr" rotWithShape="0">
                       <a:schemeClr val="bg2"/>
@@ -7343,7 +7917,7 @@
           <a:effectLst/>
           <a:extLst>
             <a:ext uri="{AF507438-7753-43e0-B8FC-AC1667EBCBE1}">
-              <a14:hiddenEffects xmlns="" xmlns:a14="http://schemas.microsoft.com/office/drawing/2010/main">
+              <a14:hiddenEffects xmlns:a14="http://schemas.microsoft.com/office/drawing/2010/main" xmlns="">
                 <a:effectLst>
                   <a:outerShdw dist="35921" dir="2700000" algn="ctr" rotWithShape="0">
                     <a:schemeClr val="bg2"/>
@@ -7603,7 +8177,7 @@
 </p:sld>
 </file>
 
-<file path=ppt/slides/slide12.xml><?xml version="1.0" encoding="utf-8"?>
+<file path=ppt/slides/slide15.xml><?xml version="1.0" encoding="utf-8"?>
 <p:sld xmlns:a="http://schemas.openxmlformats.org/drawingml/2006/main" xmlns:r="http://schemas.openxmlformats.org/officeDocument/2006/relationships" xmlns:p="http://schemas.openxmlformats.org/presentationml/2006/main">
   <p:cSld>
     <p:spTree>
@@ -7697,7 +8271,7 @@
 </p:sld>
 </file>
 
-<file path=ppt/slides/slide13.xml><?xml version="1.0" encoding="utf-8"?>
+<file path=ppt/slides/slide16.xml><?xml version="1.0" encoding="utf-8"?>
 <p:sld xmlns:a="http://schemas.openxmlformats.org/drawingml/2006/main" xmlns:r="http://schemas.openxmlformats.org/officeDocument/2006/relationships" xmlns:p="http://schemas.openxmlformats.org/presentationml/2006/main">
   <p:cSld>
     <p:spTree>
@@ -8042,7 +8616,7 @@
 </p:sld>
 </file>
 
-<file path=ppt/slides/slide14.xml><?xml version="1.0" encoding="utf-8"?>
+<file path=ppt/slides/slide17.xml><?xml version="1.0" encoding="utf-8"?>
 <p:sld xmlns:a="http://schemas.openxmlformats.org/drawingml/2006/main" xmlns:r="http://schemas.openxmlformats.org/officeDocument/2006/relationships" xmlns:p="http://schemas.openxmlformats.org/presentationml/2006/main">
   <p:cSld>
     <p:spTree>
@@ -8221,7 +8795,7 @@
 </p:sld>
 </file>
 
-<file path=ppt/slides/slide15.xml><?xml version="1.0" encoding="utf-8"?>
+<file path=ppt/slides/slide18.xml><?xml version="1.0" encoding="utf-8"?>
 <p:sld xmlns:a="http://schemas.openxmlformats.org/drawingml/2006/main" xmlns:r="http://schemas.openxmlformats.org/officeDocument/2006/relationships" xmlns:p="http://schemas.openxmlformats.org/presentationml/2006/main">
   <p:cSld>
     <p:spTree>
@@ -8473,7 +9047,7 @@
 </p:sld>
 </file>
 
-<file path=ppt/slides/slide16.xml><?xml version="1.0" encoding="utf-8"?>
+<file path=ppt/slides/slide19.xml><?xml version="1.0" encoding="utf-8"?>
 <p:sld xmlns:a="http://schemas.openxmlformats.org/drawingml/2006/main" xmlns:r="http://schemas.openxmlformats.org/officeDocument/2006/relationships" xmlns:p="http://schemas.openxmlformats.org/presentationml/2006/main">
   <p:cSld>
     <p:spTree>
@@ -9230,405 +9804,6 @@
 </p:sld>
 </file>
 
-<file path=ppt/slides/slide17.xml><?xml version="1.0" encoding="utf-8"?>
-<p:sld xmlns:a="http://schemas.openxmlformats.org/drawingml/2006/main" xmlns:r="http://schemas.openxmlformats.org/officeDocument/2006/relationships" xmlns:p="http://schemas.openxmlformats.org/presentationml/2006/main">
-  <p:cSld>
-    <p:spTree>
-      <p:nvGrpSpPr>
-        <p:cNvPr id="1" name=""/>
-        <p:cNvGrpSpPr/>
-        <p:nvPr/>
-      </p:nvGrpSpPr>
-      <p:grpSpPr>
-        <a:xfrm>
-          <a:off x="0" y="0"/>
-          <a:ext cx="0" cy="0"/>
-          <a:chOff x="0" y="0"/>
-          <a:chExt cx="0" cy="0"/>
-        </a:xfrm>
-      </p:grpSpPr>
-      <p:sp>
-        <p:nvSpPr>
-          <p:cNvPr id="2" name="Title 1"/>
-          <p:cNvSpPr>
-            <a:spLocks noGrp="1"/>
-          </p:cNvSpPr>
-          <p:nvPr>
-            <p:ph type="title"/>
-          </p:nvPr>
-        </p:nvSpPr>
-        <p:spPr/>
-        <p:txBody>
-          <a:bodyPr/>
-          <a:lstStyle/>
-          <a:p>
-            <a:r>
-              <a:rPr lang="en-GB" dirty="0" smtClean="0"/>
-              <a:t>Narrative CV</a:t>
-            </a:r>
-            <a:endParaRPr lang="en-GB" dirty="0"/>
-          </a:p>
-        </p:txBody>
-      </p:sp>
-      <p:sp>
-        <p:nvSpPr>
-          <p:cNvPr id="3" name="Content Placeholder 2"/>
-          <p:cNvSpPr>
-            <a:spLocks noGrp="1"/>
-          </p:cNvSpPr>
-          <p:nvPr>
-            <p:ph idx="1"/>
-          </p:nvPr>
-        </p:nvSpPr>
-        <p:spPr/>
-        <p:txBody>
-          <a:bodyPr>
-            <a:normAutofit/>
-          </a:bodyPr>
-          <a:lstStyle/>
-          <a:p>
-            <a:pPr lvl="0"/>
-            <a:r>
-              <a:rPr lang="en-IE" dirty="0"/>
-              <a:t>Generation of Knowledge</a:t>
-            </a:r>
-            <a:endParaRPr lang="en-GB" dirty="0"/>
-          </a:p>
-          <a:p>
-            <a:pPr lvl="0"/>
-            <a:r>
-              <a:rPr lang="en-IE" dirty="0"/>
-              <a:t>Development of Individuals and Collaborations  </a:t>
-            </a:r>
-            <a:endParaRPr lang="en-GB" dirty="0"/>
-          </a:p>
-          <a:p>
-            <a:pPr lvl="0"/>
-            <a:r>
-              <a:rPr lang="en-IE" dirty="0"/>
-              <a:t>Supporting Broader Society and the Economy  </a:t>
-            </a:r>
-            <a:endParaRPr lang="en-GB" dirty="0"/>
-          </a:p>
-          <a:p>
-            <a:pPr lvl="0"/>
-            <a:r>
-              <a:rPr lang="en-IE" dirty="0"/>
-              <a:t>Supporting the Research Community </a:t>
-            </a:r>
-            <a:endParaRPr lang="en-GB" dirty="0"/>
-          </a:p>
-          <a:p>
-            <a:pPr marL="0" indent="0">
-              <a:buNone/>
-            </a:pPr>
-            <a:endParaRPr lang="en-GB" dirty="0" smtClean="0"/>
-          </a:p>
-          <a:p>
-            <a:pPr marL="0" indent="0">
-              <a:buNone/>
-            </a:pPr>
-            <a:endParaRPr lang="en-GB" dirty="0"/>
-          </a:p>
-        </p:txBody>
-      </p:sp>
-    </p:spTree>
-    <p:extLst>
-      <p:ext uri="{BB962C8B-B14F-4D97-AF65-F5344CB8AC3E}">
-        <p14:creationId xmlns:p14="http://schemas.microsoft.com/office/powerpoint/2010/main" val="3839339038"/>
-      </p:ext>
-    </p:extLst>
-  </p:cSld>
-  <p:clrMapOvr>
-    <a:masterClrMapping/>
-  </p:clrMapOvr>
-  <p:timing>
-    <p:tnLst>
-      <p:par>
-        <p:cTn id="1" dur="indefinite" restart="never" nodeType="tmRoot"/>
-      </p:par>
-    </p:tnLst>
-  </p:timing>
-</p:sld>
-</file>
-
-<file path=ppt/slides/slide18.xml><?xml version="1.0" encoding="utf-8"?>
-<p:sld xmlns:a="http://schemas.openxmlformats.org/drawingml/2006/main" xmlns:r="http://schemas.openxmlformats.org/officeDocument/2006/relationships" xmlns:p="http://schemas.openxmlformats.org/presentationml/2006/main">
-  <p:cSld>
-    <p:spTree>
-      <p:nvGrpSpPr>
-        <p:cNvPr id="1" name=""/>
-        <p:cNvGrpSpPr/>
-        <p:nvPr/>
-      </p:nvGrpSpPr>
-      <p:grpSpPr>
-        <a:xfrm>
-          <a:off x="0" y="0"/>
-          <a:ext cx="0" cy="0"/>
-          <a:chOff x="0" y="0"/>
-          <a:chExt cx="0" cy="0"/>
-        </a:xfrm>
-      </p:grpSpPr>
-      <p:sp>
-        <p:nvSpPr>
-          <p:cNvPr id="2" name="Title 1"/>
-          <p:cNvSpPr>
-            <a:spLocks noGrp="1"/>
-          </p:cNvSpPr>
-          <p:nvPr>
-            <p:ph type="title"/>
-          </p:nvPr>
-        </p:nvSpPr>
-        <p:spPr/>
-        <p:txBody>
-          <a:bodyPr/>
-          <a:lstStyle/>
-          <a:p>
-            <a:r>
-              <a:rPr lang="en-GB" dirty="0" smtClean="0"/>
-              <a:t>Narrative CV</a:t>
-            </a:r>
-            <a:endParaRPr lang="en-GB" dirty="0"/>
-          </a:p>
-        </p:txBody>
-      </p:sp>
-      <p:sp>
-        <p:nvSpPr>
-          <p:cNvPr id="3" name="Content Placeholder 2"/>
-          <p:cNvSpPr>
-            <a:spLocks noGrp="1"/>
-          </p:cNvSpPr>
-          <p:nvPr>
-            <p:ph idx="1"/>
-          </p:nvPr>
-        </p:nvSpPr>
-        <p:spPr/>
-        <p:txBody>
-          <a:bodyPr>
-            <a:normAutofit/>
-          </a:bodyPr>
-          <a:lstStyle/>
-          <a:p>
-            <a:r>
-              <a:rPr lang="en-GB" dirty="0" smtClean="0"/>
-              <a:t>A </a:t>
-            </a:r>
-            <a:r>
-              <a:rPr lang="en-GB" dirty="0"/>
-              <a:t>broad definition of ‘output’ is </a:t>
-            </a:r>
-            <a:r>
-              <a:rPr lang="en-GB" dirty="0" smtClean="0"/>
-              <a:t>used, such </a:t>
-            </a:r>
-            <a:r>
-              <a:rPr lang="en-GB" dirty="0"/>
-              <a:t>as datasets, patents and software.</a:t>
-            </a:r>
-          </a:p>
-          <a:p>
-            <a:r>
-              <a:rPr lang="en-GB" dirty="0" smtClean="0"/>
-              <a:t>Special </a:t>
-            </a:r>
-            <a:r>
-              <a:rPr lang="en-GB" dirty="0"/>
-              <a:t>attention is paid to Open </a:t>
-            </a:r>
-            <a:r>
-              <a:rPr lang="en-GB" dirty="0" smtClean="0"/>
-              <a:t>Science, which outputs </a:t>
-            </a:r>
-            <a:r>
-              <a:rPr lang="en-GB" dirty="0"/>
-              <a:t>are openly available</a:t>
-            </a:r>
-            <a:r>
-              <a:rPr lang="en-GB" dirty="0" smtClean="0"/>
-              <a:t>.</a:t>
-            </a:r>
-          </a:p>
-          <a:p>
-            <a:r>
-              <a:rPr lang="en-US" dirty="0" smtClean="0"/>
-              <a:t>New metrics: retweets, </a:t>
-            </a:r>
-            <a:r>
-              <a:rPr lang="en-US" dirty="0"/>
-              <a:t>online views and </a:t>
-            </a:r>
-            <a:r>
-              <a:rPr lang="en-US" dirty="0" smtClean="0"/>
-              <a:t>downloads</a:t>
-            </a:r>
-            <a:r>
-              <a:rPr lang="en-US" smtClean="0"/>
-              <a:t>, discussions, </a:t>
-            </a:r>
-            <a:r>
-              <a:rPr lang="en-US" dirty="0" smtClean="0"/>
-              <a:t>presence in mass </a:t>
-            </a:r>
-            <a:r>
-              <a:rPr lang="en-US" dirty="0"/>
-              <a:t>media technology platforms</a:t>
-            </a:r>
-            <a:endParaRPr lang="en-GB" dirty="0"/>
-          </a:p>
-          <a:p>
-            <a:pPr marL="0" indent="0">
-              <a:buNone/>
-            </a:pPr>
-            <a:endParaRPr lang="en-GB" dirty="0"/>
-          </a:p>
-        </p:txBody>
-      </p:sp>
-    </p:spTree>
-    <p:extLst>
-      <p:ext uri="{BB962C8B-B14F-4D97-AF65-F5344CB8AC3E}">
-        <p14:creationId xmlns:p14="http://schemas.microsoft.com/office/powerpoint/2010/main" val="1364462461"/>
-      </p:ext>
-    </p:extLst>
-  </p:cSld>
-  <p:clrMapOvr>
-    <a:masterClrMapping/>
-  </p:clrMapOvr>
-  <p:timing>
-    <p:tnLst>
-      <p:par>
-        <p:cTn id="1" dur="indefinite" restart="never" nodeType="tmRoot"/>
-      </p:par>
-    </p:tnLst>
-  </p:timing>
-</p:sld>
-</file>
-
-<file path=ppt/slides/slide19.xml><?xml version="1.0" encoding="utf-8"?>
-<p:sld xmlns:a="http://schemas.openxmlformats.org/drawingml/2006/main" xmlns:r="http://schemas.openxmlformats.org/officeDocument/2006/relationships" xmlns:p="http://schemas.openxmlformats.org/presentationml/2006/main">
-  <p:cSld>
-    <p:spTree>
-      <p:nvGrpSpPr>
-        <p:cNvPr id="1" name=""/>
-        <p:cNvGrpSpPr/>
-        <p:nvPr/>
-      </p:nvGrpSpPr>
-      <p:grpSpPr>
-        <a:xfrm>
-          <a:off x="0" y="0"/>
-          <a:ext cx="0" cy="0"/>
-          <a:chOff x="0" y="0"/>
-          <a:chExt cx="0" cy="0"/>
-        </a:xfrm>
-      </p:grpSpPr>
-      <p:sp>
-        <p:nvSpPr>
-          <p:cNvPr id="2" name="Title 1"/>
-          <p:cNvSpPr>
-            <a:spLocks noGrp="1"/>
-          </p:cNvSpPr>
-          <p:nvPr>
-            <p:ph type="title"/>
-          </p:nvPr>
-        </p:nvSpPr>
-        <p:spPr/>
-        <p:txBody>
-          <a:bodyPr/>
-          <a:lstStyle/>
-          <a:p>
-            <a:r>
-              <a:rPr lang="en-GB" dirty="0" smtClean="0"/>
-              <a:t>It is </a:t>
-            </a:r>
-            <a:r>
-              <a:rPr lang="pl-PL" dirty="0" smtClean="0"/>
-              <a:t>easier to </a:t>
-            </a:r>
-            <a:r>
-              <a:rPr lang="pl-PL" smtClean="0"/>
-              <a:t>be prep</a:t>
-            </a:r>
-            <a:r>
-              <a:rPr lang="en-GB" smtClean="0"/>
-              <a:t>a</a:t>
-            </a:r>
-            <a:r>
-              <a:rPr lang="pl-PL" smtClean="0"/>
-              <a:t>red </a:t>
-            </a:r>
-            <a:r>
-              <a:rPr lang="pl-PL" dirty="0" smtClean="0"/>
-              <a:t>than to fake it</a:t>
-            </a:r>
-            <a:endParaRPr lang="en-GB" dirty="0"/>
-          </a:p>
-        </p:txBody>
-      </p:sp>
-      <p:sp>
-        <p:nvSpPr>
-          <p:cNvPr id="3" name="Content Placeholder 2"/>
-          <p:cNvSpPr>
-            <a:spLocks noGrp="1"/>
-          </p:cNvSpPr>
-          <p:nvPr>
-            <p:ph idx="1"/>
-          </p:nvPr>
-        </p:nvSpPr>
-        <p:spPr/>
-        <p:txBody>
-          <a:bodyPr>
-            <a:normAutofit/>
-          </a:bodyPr>
-          <a:lstStyle/>
-          <a:p>
-            <a:r>
-              <a:rPr lang="en-GB" dirty="0" smtClean="0"/>
-              <a:t>It takes time to make the outputs public</a:t>
-            </a:r>
-          </a:p>
-          <a:p>
-            <a:r>
-              <a:rPr lang="en-GB" dirty="0" smtClean="0"/>
-              <a:t>The quality of open outputs is easy to assess</a:t>
-            </a:r>
-          </a:p>
-          <a:p>
-            <a:endParaRPr lang="en-GB" dirty="0" smtClean="0"/>
-          </a:p>
-          <a:p>
-            <a:r>
-              <a:rPr lang="en-GB" dirty="0" smtClean="0"/>
-              <a:t>Timestamps </a:t>
-            </a:r>
-            <a:endParaRPr lang="en-GB" dirty="0"/>
-          </a:p>
-          <a:p>
-            <a:pPr marL="0" indent="0">
-              <a:buNone/>
-            </a:pPr>
-            <a:endParaRPr lang="en-GB" dirty="0"/>
-          </a:p>
-        </p:txBody>
-      </p:sp>
-    </p:spTree>
-    <p:extLst>
-      <p:ext uri="{BB962C8B-B14F-4D97-AF65-F5344CB8AC3E}">
-        <p14:creationId xmlns:p14="http://schemas.microsoft.com/office/powerpoint/2010/main" val="4706951"/>
-      </p:ext>
-    </p:extLst>
-  </p:cSld>
-  <p:clrMapOvr>
-    <a:masterClrMapping/>
-  </p:clrMapOvr>
-  <p:timing>
-    <p:tnLst>
-      <p:par>
-        <p:cTn id="1" dur="indefinite" restart="never" nodeType="tmRoot"/>
-      </p:par>
-    </p:tnLst>
-  </p:timing>
-</p:sld>
-</file>
-
 <file path=ppt/slides/slide2.xml><?xml version="1.0" encoding="utf-8"?>
 <p:sld xmlns:a="http://schemas.openxmlformats.org/drawingml/2006/main" xmlns:r="http://schemas.openxmlformats.org/officeDocument/2006/relationships" xmlns:p="http://schemas.openxmlformats.org/presentationml/2006/main">
   <p:cSld>
@@ -9755,6 +9930,405 @@
           <a:bodyPr/>
           <a:lstStyle/>
           <a:p>
+            <a:r>
+              <a:rPr lang="en-GB" dirty="0" smtClean="0"/>
+              <a:t>Narrative CV</a:t>
+            </a:r>
+            <a:endParaRPr lang="en-GB" dirty="0"/>
+          </a:p>
+        </p:txBody>
+      </p:sp>
+      <p:sp>
+        <p:nvSpPr>
+          <p:cNvPr id="3" name="Content Placeholder 2"/>
+          <p:cNvSpPr>
+            <a:spLocks noGrp="1"/>
+          </p:cNvSpPr>
+          <p:nvPr>
+            <p:ph idx="1"/>
+          </p:nvPr>
+        </p:nvSpPr>
+        <p:spPr/>
+        <p:txBody>
+          <a:bodyPr>
+            <a:normAutofit/>
+          </a:bodyPr>
+          <a:lstStyle/>
+          <a:p>
+            <a:pPr lvl="0"/>
+            <a:r>
+              <a:rPr lang="en-IE" dirty="0"/>
+              <a:t>Generation of Knowledge</a:t>
+            </a:r>
+            <a:endParaRPr lang="en-GB" dirty="0"/>
+          </a:p>
+          <a:p>
+            <a:pPr lvl="0"/>
+            <a:r>
+              <a:rPr lang="en-IE" dirty="0"/>
+              <a:t>Development of Individuals and Collaborations  </a:t>
+            </a:r>
+            <a:endParaRPr lang="en-GB" dirty="0"/>
+          </a:p>
+          <a:p>
+            <a:pPr lvl="0"/>
+            <a:r>
+              <a:rPr lang="en-IE" dirty="0"/>
+              <a:t>Supporting Broader Society and the Economy  </a:t>
+            </a:r>
+            <a:endParaRPr lang="en-GB" dirty="0"/>
+          </a:p>
+          <a:p>
+            <a:pPr lvl="0"/>
+            <a:r>
+              <a:rPr lang="en-IE" dirty="0"/>
+              <a:t>Supporting the Research Community </a:t>
+            </a:r>
+            <a:endParaRPr lang="en-GB" dirty="0"/>
+          </a:p>
+          <a:p>
+            <a:pPr marL="0" indent="0">
+              <a:buNone/>
+            </a:pPr>
+            <a:endParaRPr lang="en-GB" dirty="0" smtClean="0"/>
+          </a:p>
+          <a:p>
+            <a:pPr marL="0" indent="0">
+              <a:buNone/>
+            </a:pPr>
+            <a:endParaRPr lang="en-GB" dirty="0"/>
+          </a:p>
+        </p:txBody>
+      </p:sp>
+    </p:spTree>
+    <p:extLst>
+      <p:ext uri="{BB962C8B-B14F-4D97-AF65-F5344CB8AC3E}">
+        <p14:creationId xmlns:p14="http://schemas.microsoft.com/office/powerpoint/2010/main" val="3839339038"/>
+      </p:ext>
+    </p:extLst>
+  </p:cSld>
+  <p:clrMapOvr>
+    <a:masterClrMapping/>
+  </p:clrMapOvr>
+  <p:timing>
+    <p:tnLst>
+      <p:par>
+        <p:cTn id="1" dur="indefinite" restart="never" nodeType="tmRoot"/>
+      </p:par>
+    </p:tnLst>
+  </p:timing>
+</p:sld>
+</file>
+
+<file path=ppt/slides/slide21.xml><?xml version="1.0" encoding="utf-8"?>
+<p:sld xmlns:a="http://schemas.openxmlformats.org/drawingml/2006/main" xmlns:r="http://schemas.openxmlformats.org/officeDocument/2006/relationships" xmlns:p="http://schemas.openxmlformats.org/presentationml/2006/main">
+  <p:cSld>
+    <p:spTree>
+      <p:nvGrpSpPr>
+        <p:cNvPr id="1" name=""/>
+        <p:cNvGrpSpPr/>
+        <p:nvPr/>
+      </p:nvGrpSpPr>
+      <p:grpSpPr>
+        <a:xfrm>
+          <a:off x="0" y="0"/>
+          <a:ext cx="0" cy="0"/>
+          <a:chOff x="0" y="0"/>
+          <a:chExt cx="0" cy="0"/>
+        </a:xfrm>
+      </p:grpSpPr>
+      <p:sp>
+        <p:nvSpPr>
+          <p:cNvPr id="2" name="Title 1"/>
+          <p:cNvSpPr>
+            <a:spLocks noGrp="1"/>
+          </p:cNvSpPr>
+          <p:nvPr>
+            <p:ph type="title"/>
+          </p:nvPr>
+        </p:nvSpPr>
+        <p:spPr/>
+        <p:txBody>
+          <a:bodyPr/>
+          <a:lstStyle/>
+          <a:p>
+            <a:r>
+              <a:rPr lang="en-GB" dirty="0" smtClean="0"/>
+              <a:t>Narrative CV</a:t>
+            </a:r>
+            <a:endParaRPr lang="en-GB" dirty="0"/>
+          </a:p>
+        </p:txBody>
+      </p:sp>
+      <p:sp>
+        <p:nvSpPr>
+          <p:cNvPr id="3" name="Content Placeholder 2"/>
+          <p:cNvSpPr>
+            <a:spLocks noGrp="1"/>
+          </p:cNvSpPr>
+          <p:nvPr>
+            <p:ph idx="1"/>
+          </p:nvPr>
+        </p:nvSpPr>
+        <p:spPr/>
+        <p:txBody>
+          <a:bodyPr>
+            <a:normAutofit/>
+          </a:bodyPr>
+          <a:lstStyle/>
+          <a:p>
+            <a:r>
+              <a:rPr lang="en-GB" dirty="0" smtClean="0"/>
+              <a:t>A </a:t>
+            </a:r>
+            <a:r>
+              <a:rPr lang="en-GB" dirty="0"/>
+              <a:t>broad definition of ‘output’ is </a:t>
+            </a:r>
+            <a:r>
+              <a:rPr lang="en-GB" dirty="0" smtClean="0"/>
+              <a:t>used, such </a:t>
+            </a:r>
+            <a:r>
+              <a:rPr lang="en-GB" dirty="0"/>
+              <a:t>as datasets, patents and software.</a:t>
+            </a:r>
+          </a:p>
+          <a:p>
+            <a:r>
+              <a:rPr lang="en-GB" dirty="0" smtClean="0"/>
+              <a:t>Special </a:t>
+            </a:r>
+            <a:r>
+              <a:rPr lang="en-GB" dirty="0"/>
+              <a:t>attention is paid to Open </a:t>
+            </a:r>
+            <a:r>
+              <a:rPr lang="en-GB" dirty="0" smtClean="0"/>
+              <a:t>Science, which outputs </a:t>
+            </a:r>
+            <a:r>
+              <a:rPr lang="en-GB" dirty="0"/>
+              <a:t>are openly available</a:t>
+            </a:r>
+            <a:r>
+              <a:rPr lang="en-GB" dirty="0" smtClean="0"/>
+              <a:t>.</a:t>
+            </a:r>
+          </a:p>
+          <a:p>
+            <a:r>
+              <a:rPr lang="en-US" dirty="0" smtClean="0"/>
+              <a:t>New metrics: retweets, </a:t>
+            </a:r>
+            <a:r>
+              <a:rPr lang="en-US" dirty="0"/>
+              <a:t>online views and </a:t>
+            </a:r>
+            <a:r>
+              <a:rPr lang="en-US" dirty="0" smtClean="0"/>
+              <a:t>downloads</a:t>
+            </a:r>
+            <a:r>
+              <a:rPr lang="en-US" smtClean="0"/>
+              <a:t>, discussions, </a:t>
+            </a:r>
+            <a:r>
+              <a:rPr lang="en-US" dirty="0" smtClean="0"/>
+              <a:t>presence in mass </a:t>
+            </a:r>
+            <a:r>
+              <a:rPr lang="en-US" dirty="0"/>
+              <a:t>media technology platforms</a:t>
+            </a:r>
+            <a:endParaRPr lang="en-GB" dirty="0"/>
+          </a:p>
+          <a:p>
+            <a:pPr marL="0" indent="0">
+              <a:buNone/>
+            </a:pPr>
+            <a:endParaRPr lang="en-GB" dirty="0"/>
+          </a:p>
+        </p:txBody>
+      </p:sp>
+    </p:spTree>
+    <p:extLst>
+      <p:ext uri="{BB962C8B-B14F-4D97-AF65-F5344CB8AC3E}">
+        <p14:creationId xmlns:p14="http://schemas.microsoft.com/office/powerpoint/2010/main" val="1364462461"/>
+      </p:ext>
+    </p:extLst>
+  </p:cSld>
+  <p:clrMapOvr>
+    <a:masterClrMapping/>
+  </p:clrMapOvr>
+  <p:timing>
+    <p:tnLst>
+      <p:par>
+        <p:cTn id="1" dur="indefinite" restart="never" nodeType="tmRoot"/>
+      </p:par>
+    </p:tnLst>
+  </p:timing>
+</p:sld>
+</file>
+
+<file path=ppt/slides/slide22.xml><?xml version="1.0" encoding="utf-8"?>
+<p:sld xmlns:a="http://schemas.openxmlformats.org/drawingml/2006/main" xmlns:r="http://schemas.openxmlformats.org/officeDocument/2006/relationships" xmlns:p="http://schemas.openxmlformats.org/presentationml/2006/main">
+  <p:cSld>
+    <p:spTree>
+      <p:nvGrpSpPr>
+        <p:cNvPr id="1" name=""/>
+        <p:cNvGrpSpPr/>
+        <p:nvPr/>
+      </p:nvGrpSpPr>
+      <p:grpSpPr>
+        <a:xfrm>
+          <a:off x="0" y="0"/>
+          <a:ext cx="0" cy="0"/>
+          <a:chOff x="0" y="0"/>
+          <a:chExt cx="0" cy="0"/>
+        </a:xfrm>
+      </p:grpSpPr>
+      <p:sp>
+        <p:nvSpPr>
+          <p:cNvPr id="2" name="Title 1"/>
+          <p:cNvSpPr>
+            <a:spLocks noGrp="1"/>
+          </p:cNvSpPr>
+          <p:nvPr>
+            <p:ph type="title"/>
+          </p:nvPr>
+        </p:nvSpPr>
+        <p:spPr/>
+        <p:txBody>
+          <a:bodyPr/>
+          <a:lstStyle/>
+          <a:p>
+            <a:r>
+              <a:rPr lang="en-GB" dirty="0" smtClean="0"/>
+              <a:t>It is </a:t>
+            </a:r>
+            <a:r>
+              <a:rPr lang="pl-PL" dirty="0" smtClean="0"/>
+              <a:t>easier to </a:t>
+            </a:r>
+            <a:r>
+              <a:rPr lang="pl-PL" smtClean="0"/>
+              <a:t>be prep</a:t>
+            </a:r>
+            <a:r>
+              <a:rPr lang="en-GB" smtClean="0"/>
+              <a:t>a</a:t>
+            </a:r>
+            <a:r>
+              <a:rPr lang="pl-PL" smtClean="0"/>
+              <a:t>red </a:t>
+            </a:r>
+            <a:r>
+              <a:rPr lang="pl-PL" dirty="0" smtClean="0"/>
+              <a:t>than to fake it</a:t>
+            </a:r>
+            <a:endParaRPr lang="en-GB" dirty="0"/>
+          </a:p>
+        </p:txBody>
+      </p:sp>
+      <p:sp>
+        <p:nvSpPr>
+          <p:cNvPr id="3" name="Content Placeholder 2"/>
+          <p:cNvSpPr>
+            <a:spLocks noGrp="1"/>
+          </p:cNvSpPr>
+          <p:nvPr>
+            <p:ph idx="1"/>
+          </p:nvPr>
+        </p:nvSpPr>
+        <p:spPr/>
+        <p:txBody>
+          <a:bodyPr>
+            <a:normAutofit/>
+          </a:bodyPr>
+          <a:lstStyle/>
+          <a:p>
+            <a:r>
+              <a:rPr lang="en-GB" dirty="0" smtClean="0"/>
+              <a:t>It takes time to make the outputs public</a:t>
+            </a:r>
+          </a:p>
+          <a:p>
+            <a:r>
+              <a:rPr lang="en-GB" dirty="0" smtClean="0"/>
+              <a:t>The quality of open outputs is easy to assess</a:t>
+            </a:r>
+          </a:p>
+          <a:p>
+            <a:endParaRPr lang="en-GB" dirty="0" smtClean="0"/>
+          </a:p>
+          <a:p>
+            <a:r>
+              <a:rPr lang="en-GB" dirty="0" smtClean="0"/>
+              <a:t>Timestamps </a:t>
+            </a:r>
+            <a:endParaRPr lang="en-GB" dirty="0"/>
+          </a:p>
+          <a:p>
+            <a:pPr marL="0" indent="0">
+              <a:buNone/>
+            </a:pPr>
+            <a:endParaRPr lang="en-GB" dirty="0"/>
+          </a:p>
+        </p:txBody>
+      </p:sp>
+    </p:spTree>
+    <p:extLst>
+      <p:ext uri="{BB962C8B-B14F-4D97-AF65-F5344CB8AC3E}">
+        <p14:creationId xmlns:p14="http://schemas.microsoft.com/office/powerpoint/2010/main" val="4706951"/>
+      </p:ext>
+    </p:extLst>
+  </p:cSld>
+  <p:clrMapOvr>
+    <a:masterClrMapping/>
+  </p:clrMapOvr>
+  <p:timing>
+    <p:tnLst>
+      <p:par>
+        <p:cTn id="1" dur="indefinite" restart="never" nodeType="tmRoot"/>
+      </p:par>
+    </p:tnLst>
+  </p:timing>
+</p:sld>
+</file>
+
+<file path=ppt/slides/slide23.xml><?xml version="1.0" encoding="utf-8"?>
+<p:sld xmlns:a="http://schemas.openxmlformats.org/drawingml/2006/main" xmlns:r="http://schemas.openxmlformats.org/officeDocument/2006/relationships" xmlns:p="http://schemas.openxmlformats.org/presentationml/2006/main">
+  <p:cSld>
+    <p:spTree>
+      <p:nvGrpSpPr>
+        <p:cNvPr id="1" name=""/>
+        <p:cNvGrpSpPr/>
+        <p:nvPr/>
+      </p:nvGrpSpPr>
+      <p:grpSpPr>
+        <a:xfrm>
+          <a:off x="0" y="0"/>
+          <a:ext cx="0" cy="0"/>
+          <a:chOff x="0" y="0"/>
+          <a:chExt cx="0" cy="0"/>
+        </a:xfrm>
+      </p:grpSpPr>
+      <p:sp>
+        <p:nvSpPr>
+          <p:cNvPr id="2" name="Title 1"/>
+          <p:cNvSpPr>
+            <a:spLocks noGrp="1"/>
+          </p:cNvSpPr>
+          <p:nvPr>
+            <p:ph type="title"/>
+          </p:nvPr>
+        </p:nvSpPr>
+        <p:spPr/>
+        <p:txBody>
+          <a:bodyPr/>
+          <a:lstStyle/>
+          <a:p>
             <a:endParaRPr lang="en-GB"/>
           </a:p>
         </p:txBody>
@@ -9817,7 +10391,7 @@
 </p:sld>
 </file>
 
-<file path=ppt/slides/slide21.xml><?xml version="1.0" encoding="utf-8"?>
+<file path=ppt/slides/slide24.xml><?xml version="1.0" encoding="utf-8"?>
 <p:sld xmlns:a="http://schemas.openxmlformats.org/drawingml/2006/main" xmlns:r="http://schemas.openxmlformats.org/officeDocument/2006/relationships" xmlns:p="http://schemas.openxmlformats.org/presentationml/2006/main">
   <p:cSld>
     <p:spTree>
@@ -9947,7 +10521,7 @@
 </p:sld>
 </file>
 
-<file path=ppt/slides/slide22.xml><?xml version="1.0" encoding="utf-8"?>
+<file path=ppt/slides/slide25.xml><?xml version="1.0" encoding="utf-8"?>
 <p:sld xmlns:a="http://schemas.openxmlformats.org/drawingml/2006/main" xmlns:r="http://schemas.openxmlformats.org/officeDocument/2006/relationships" xmlns:p="http://schemas.openxmlformats.org/presentationml/2006/main">
   <p:cSld>
     <p:spTree>
@@ -10104,7 +10678,7 @@
 </p:sld>
 </file>
 
-<file path=ppt/slides/slide23.xml><?xml version="1.0" encoding="utf-8"?>
+<file path=ppt/slides/slide26.xml><?xml version="1.0" encoding="utf-8"?>
 <p:sld xmlns:a="http://schemas.openxmlformats.org/drawingml/2006/main" xmlns:r="http://schemas.openxmlformats.org/officeDocument/2006/relationships" xmlns:p="http://schemas.openxmlformats.org/presentationml/2006/main">
   <p:cSld>
     <p:spTree>
@@ -10184,11 +10758,7 @@
           <a:p>
             <a:r>
               <a:rPr lang="en-GB" sz="4000" dirty="0" smtClean="0"/>
-              <a:t>Tools </a:t>
-            </a:r>
-            <a:r>
-              <a:rPr lang="en-GB" sz="4000" smtClean="0"/>
-              <a:t>for oracles and overlords</a:t>
+              <a:t>Tools for oracles and overlords</a:t>
             </a:r>
             <a:endParaRPr lang="pl-PL" sz="4000" dirty="0"/>
           </a:p>
@@ -10238,7 +10808,7 @@
 </p:sld>
 </file>
 
-<file path=ppt/slides/slide24.xml><?xml version="1.0" encoding="utf-8"?>
+<file path=ppt/slides/slide27.xml><?xml version="1.0" encoding="utf-8"?>
 <p:sld xmlns:a="http://schemas.openxmlformats.org/drawingml/2006/main" xmlns:r="http://schemas.openxmlformats.org/officeDocument/2006/relationships" xmlns:p="http://schemas.openxmlformats.org/presentationml/2006/main">
   <p:cSld>
     <p:spTree>
@@ -11408,7 +11978,7 @@
                 <a14:useLocalDpi xmlns:a14="http://schemas.microsoft.com/office/drawing/2010/main" val="0"/>
               </a:ext>
               <a:ext uri="{96DAC541-7B7A-43D3-8B79-37D633B846F1}">
-                <asvg:svgBlip xmlns="" xmlns:asvg="http://schemas.microsoft.com/office/drawing/2016/SVG/main" r:embed="rId3"/>
+                <asvg:svgBlip xmlns:asvg="http://schemas.microsoft.com/office/drawing/2016/SVG/main" xmlns="" r:embed="rId3"/>
               </a:ext>
             </a:extLst>
           </a:blip>
@@ -11447,7 +12017,7 @@
                 <a14:useLocalDpi xmlns:a14="http://schemas.microsoft.com/office/drawing/2010/main" val="0"/>
               </a:ext>
               <a:ext uri="{96DAC541-7B7A-43D3-8B79-37D633B846F1}">
-                <asvg:svgBlip xmlns="" xmlns:asvg="http://schemas.microsoft.com/office/drawing/2016/SVG/main" r:embed="rId5"/>
+                <asvg:svgBlip xmlns:asvg="http://schemas.microsoft.com/office/drawing/2016/SVG/main" xmlns="" r:embed="rId5"/>
               </a:ext>
             </a:extLst>
           </a:blip>
@@ -11486,7 +12056,7 @@
                 <a14:useLocalDpi xmlns:a14="http://schemas.microsoft.com/office/drawing/2010/main" val="0"/>
               </a:ext>
               <a:ext uri="{96DAC541-7B7A-43D3-8B79-37D633B846F1}">
-                <asvg:svgBlip xmlns="" xmlns:asvg="http://schemas.microsoft.com/office/drawing/2016/SVG/main" r:embed="rId7"/>
+                <asvg:svgBlip xmlns:asvg="http://schemas.microsoft.com/office/drawing/2016/SVG/main" xmlns="" r:embed="rId7"/>
               </a:ext>
             </a:extLst>
           </a:blip>
@@ -11525,7 +12095,7 @@
                 <a14:useLocalDpi xmlns:a14="http://schemas.microsoft.com/office/drawing/2010/main" val="0"/>
               </a:ext>
               <a:ext uri="{96DAC541-7B7A-43D3-8B79-37D633B846F1}">
-                <asvg:svgBlip xmlns="" xmlns:asvg="http://schemas.microsoft.com/office/drawing/2016/SVG/main" r:embed="rId9"/>
+                <asvg:svgBlip xmlns:asvg="http://schemas.microsoft.com/office/drawing/2016/SVG/main" xmlns="" r:embed="rId9"/>
               </a:ext>
             </a:extLst>
           </a:blip>
@@ -11564,7 +12134,7 @@
                 <a14:useLocalDpi xmlns:a14="http://schemas.microsoft.com/office/drawing/2010/main" val="0"/>
               </a:ext>
               <a:ext uri="{96DAC541-7B7A-43D3-8B79-37D633B846F1}">
-                <asvg:svgBlip xmlns="" xmlns:asvg="http://schemas.microsoft.com/office/drawing/2016/SVG/main" r:embed="rId11"/>
+                <asvg:svgBlip xmlns:asvg="http://schemas.microsoft.com/office/drawing/2016/SVG/main" xmlns="" r:embed="rId11"/>
               </a:ext>
             </a:extLst>
           </a:blip>
@@ -11603,7 +12173,7 @@
                 <a14:useLocalDpi xmlns:a14="http://schemas.microsoft.com/office/drawing/2010/main" val="0"/>
               </a:ext>
               <a:ext uri="{96DAC541-7B7A-43D3-8B79-37D633B846F1}">
-                <asvg:svgBlip xmlns="" xmlns:asvg="http://schemas.microsoft.com/office/drawing/2016/SVG/main" r:embed="rId13"/>
+                <asvg:svgBlip xmlns:asvg="http://schemas.microsoft.com/office/drawing/2016/SVG/main" xmlns="" r:embed="rId13"/>
               </a:ext>
             </a:extLst>
           </a:blip>
@@ -11881,7 +12451,7 @@
           <p:cNvPr id="2" name="Title 1">
             <a:extLst>
               <a:ext uri="{FF2B5EF4-FFF2-40B4-BE49-F238E27FC236}">
-                <a16:creationId xmlns:a16="http://schemas.microsoft.com/office/drawing/2014/main" id="{11B7B386-6AB6-43AA-AD55-F2D183907889}"/>
+                <a16:creationId xmlns:a16="http://schemas.microsoft.com/office/drawing/2014/main" id="{ECA7A994-C089-42CD-8B95-C23459559029}"/>
               </a:ext>
             </a:extLst>
           </p:cNvPr>
@@ -11894,24 +12464,13 @@
         </p:nvSpPr>
         <p:spPr/>
         <p:txBody>
-          <a:bodyPr>
-            <a:normAutofit/>
-          </a:bodyPr>
+          <a:bodyPr/>
           <a:lstStyle/>
           <a:p>
             <a:r>
-              <a:rPr lang="en-GB" sz="3600" dirty="0"/>
-              <a:t>Why we are not doing Open </a:t>
-            </a:r>
-            <a:r>
-              <a:rPr lang="en-GB" sz="3600" dirty="0" smtClean="0"/>
-              <a:t>Science</a:t>
-            </a:r>
-            <a:r>
-              <a:rPr lang="pl-PL" sz="3600" dirty="0" smtClean="0"/>
-              <a:t> / Data Sharing</a:t>
-            </a:r>
-            <a:endParaRPr lang="en-GB" sz="3600" dirty="0"/>
+              <a:rPr lang="en-GB" dirty="0"/>
+              <a:t>Success story – Open Access</a:t>
+            </a:r>
           </a:p>
         </p:txBody>
       </p:sp>
@@ -11920,7 +12479,7 @@
           <p:cNvPr id="3" name="Content Placeholder 2">
             <a:extLst>
               <a:ext uri="{FF2B5EF4-FFF2-40B4-BE49-F238E27FC236}">
-                <a16:creationId xmlns:a16="http://schemas.microsoft.com/office/drawing/2014/main" id="{3D2C3108-0F0E-4BF6-95E5-2F68D67F17CF}"/>
+                <a16:creationId xmlns:a16="http://schemas.microsoft.com/office/drawing/2014/main" id="{042518E7-2BC9-4C7D-A75B-C2FBC33E1E6B}"/>
               </a:ext>
             </a:extLst>
           </p:cNvPr>
@@ -11933,7 +12492,9 @@
         </p:nvSpPr>
         <p:spPr/>
         <p:txBody>
-          <a:bodyPr/>
+          <a:bodyPr>
+            <a:normAutofit fontScale="92500"/>
+          </a:bodyPr>
           <a:lstStyle/>
           <a:p>
             <a:pPr marL="0" indent="0">
@@ -11941,67 +12502,124 @@
             </a:pPr>
             <a:r>
               <a:rPr lang="en-GB" dirty="0"/>
-              <a:t>….</a:t>
-            </a:r>
-          </a:p>
-        </p:txBody>
-      </p:sp>
-      <p:pic>
-        <p:nvPicPr>
-          <p:cNvPr id="5" name="Graphic 4" descr="Questions with solid fill">
-            <a:extLst>
-              <a:ext uri="{FF2B5EF4-FFF2-40B4-BE49-F238E27FC236}">
-                <a16:creationId xmlns:a16="http://schemas.microsoft.com/office/drawing/2014/main" id="{C1ED6655-99B8-4141-B04D-0310CB8BE21C}"/>
-              </a:ext>
-            </a:extLst>
-          </p:cNvPr>
-          <p:cNvPicPr>
-            <a:picLocks noChangeAspect="1"/>
-          </p:cNvPicPr>
-          <p:nvPr/>
-        </p:nvPicPr>
-        <p:blipFill>
-          <a:blip r:embed="rId2">
-            <a:extLst>
-              <a:ext uri="{28A0092B-C50C-407E-A947-70E740481C1C}">
-                <a14:useLocalDpi xmlns:a14="http://schemas.microsoft.com/office/drawing/2010/main" val="0"/>
-              </a:ext>
-              <a:ext uri="{96DAC541-7B7A-43D3-8B79-37D633B846F1}">
-                <asvg:svgBlip xmlns="" xmlns:asvg="http://schemas.microsoft.com/office/drawing/2016/SVG/main" r:embed="rId3"/>
-              </a:ext>
-            </a:extLst>
-          </a:blip>
-          <a:stretch>
-            <a:fillRect/>
-          </a:stretch>
-        </p:blipFill>
-        <p:spPr>
-          <a:xfrm>
-            <a:off x="8494776" y="1999488"/>
-            <a:ext cx="2859024" cy="2859024"/>
-          </a:xfrm>
-          <a:prstGeom prst="rect">
-            <a:avLst/>
-          </a:prstGeom>
-        </p:spPr>
-      </p:pic>
+              <a:t>The initiative to move to Open Access publishing is known as </a:t>
+            </a:r>
+            <a:r>
+              <a:rPr lang="en-GB" b="1" dirty="0"/>
+              <a:t>Plan S</a:t>
+            </a:r>
+          </a:p>
+          <a:p>
+            <a:endParaRPr lang="en-GB" dirty="0"/>
+          </a:p>
+          <a:p>
+            <a:pPr marL="0" indent="0">
+              <a:buNone/>
+            </a:pPr>
+            <a:r>
+              <a:rPr lang="en-GB" dirty="0"/>
+              <a:t>Publications available immediately and under open licences, either in:</a:t>
+            </a:r>
+          </a:p>
+          <a:p>
+            <a:r>
+              <a:rPr lang="en-GB" dirty="0"/>
+              <a:t>quality Open Access platforms or journals</a:t>
+            </a:r>
+          </a:p>
+          <a:p>
+            <a:r>
+              <a:rPr lang="en-GB" dirty="0"/>
+              <a:t>as a copy deposited with your home institution.</a:t>
+            </a:r>
+          </a:p>
+          <a:p>
+            <a:pPr>
+              <a:buFontTx/>
+              <a:buChar char="-"/>
+            </a:pPr>
+            <a:endParaRPr lang="en-GB" dirty="0"/>
+          </a:p>
+          <a:p>
+            <a:pPr marL="0" indent="0">
+              <a:buNone/>
+            </a:pPr>
+            <a:r>
+              <a:rPr lang="en-GB" dirty="0"/>
+              <a:t>Details of funding bodies requirements can be found at </a:t>
+            </a:r>
+            <a:r>
+              <a:rPr lang="en-GB" dirty="0">
+                <a:hlinkClick r:id="rId2"/>
+              </a:rPr>
+              <a:t>Plan S/</a:t>
+            </a:r>
+            <a:r>
+              <a:rPr lang="en-GB" dirty="0" err="1">
+                <a:hlinkClick r:id="rId2"/>
+              </a:rPr>
+              <a:t>cOAlition</a:t>
+            </a:r>
+            <a:r>
+              <a:rPr lang="en-GB" dirty="0">
+                <a:hlinkClick r:id="rId2"/>
+              </a:rPr>
+              <a:t> S</a:t>
+            </a:r>
+            <a:r>
+              <a:rPr lang="en-GB" dirty="0"/>
+              <a:t>. </a:t>
+            </a:r>
+          </a:p>
+          <a:p>
+            <a:r>
+              <a:rPr lang="en-GB" dirty="0" err="1">
+                <a:hlinkClick r:id="rId3"/>
+              </a:rPr>
+              <a:t>cOAlition</a:t>
+            </a:r>
+            <a:r>
+              <a:rPr lang="en-GB" dirty="0">
+                <a:hlinkClick r:id="rId3"/>
+              </a:rPr>
+              <a:t> S journal checker tool</a:t>
+            </a:r>
+            <a:r>
+              <a:rPr lang="en-GB" dirty="0"/>
+              <a:t> to assess compliance</a:t>
+            </a:r>
+          </a:p>
+          <a:p>
+            <a:r>
+              <a:rPr lang="en-GB" dirty="0"/>
+              <a:t>the </a:t>
+            </a:r>
+            <a:r>
+              <a:rPr lang="en-GB" dirty="0">
+                <a:hlinkClick r:id="rId4"/>
+              </a:rPr>
+              <a:t>Directory of Open Access Journals (DOAJ)</a:t>
+            </a:r>
+            <a:r>
+              <a:rPr lang="en-GB" dirty="0"/>
+              <a:t> helps finding OA journals</a:t>
+            </a:r>
+          </a:p>
+          <a:p>
+            <a:endParaRPr lang="en-GB" dirty="0"/>
+          </a:p>
+        </p:txBody>
+      </p:sp>
     </p:spTree>
     <p:extLst>
       <p:ext uri="{BB962C8B-B14F-4D97-AF65-F5344CB8AC3E}">
-        <p14:creationId xmlns:p14="http://schemas.microsoft.com/office/powerpoint/2010/main" val="2607403243"/>
+        <p14:creationId xmlns:p14="http://schemas.microsoft.com/office/powerpoint/2010/main" val="4111986438"/>
       </p:ext>
     </p:extLst>
   </p:cSld>
   <p:clrMapOvr>
     <a:masterClrMapping/>
   </p:clrMapOvr>
-  <p:timing>
-    <p:tnLst>
-      <p:par>
-        <p:cTn id="1" dur="indefinite" restart="never" nodeType="tmRoot"/>
-      </p:par>
-    </p:tnLst>
-  </p:timing>
 </p:sld>
 </file>
 
@@ -12027,7 +12645,7 @@
           <p:cNvPr id="2" name="Title 1">
             <a:extLst>
               <a:ext uri="{FF2B5EF4-FFF2-40B4-BE49-F238E27FC236}">
-                <a16:creationId xmlns:a16="http://schemas.microsoft.com/office/drawing/2014/main" id="{11B7B386-6AB6-43AA-AD55-F2D183907889}"/>
+                <a16:creationId xmlns:a16="http://schemas.microsoft.com/office/drawing/2014/main" id="{BA9DA74F-73B3-421A-BD2A-363B267769ED}"/>
               </a:ext>
             </a:extLst>
           </p:cNvPr>
@@ -12040,20 +12658,17 @@
         </p:nvSpPr>
         <p:spPr/>
         <p:txBody>
-          <a:bodyPr>
-            <a:normAutofit/>
-          </a:bodyPr>
+          <a:bodyPr/>
           <a:lstStyle/>
           <a:p>
             <a:r>
-              <a:rPr lang="en-GB" sz="3600" dirty="0"/>
-              <a:t>Why we are not doing Open Science </a:t>
-            </a:r>
-            <a:r>
-              <a:rPr lang="pl-PL" sz="3600" dirty="0" smtClean="0"/>
-              <a:t>/ Data Sharing</a:t>
-            </a:r>
-            <a:endParaRPr lang="en-GB" sz="3600" dirty="0"/>
+              <a:rPr lang="pl-PL" dirty="0"/>
+              <a:t>Outcomes</a:t>
+            </a:r>
+            <a:r>
+              <a:rPr lang="en-GB" dirty="0"/>
+              <a:t> of Openness</a:t>
+            </a:r>
           </a:p>
         </p:txBody>
       </p:sp>
@@ -12062,7 +12677,7 @@
           <p:cNvPr id="3" name="Content Placeholder 2">
             <a:extLst>
               <a:ext uri="{FF2B5EF4-FFF2-40B4-BE49-F238E27FC236}">
-                <a16:creationId xmlns:a16="http://schemas.microsoft.com/office/drawing/2014/main" id="{3D2C3108-0F0E-4BF6-95E5-2F68D67F17CF}"/>
+                <a16:creationId xmlns:a16="http://schemas.microsoft.com/office/drawing/2014/main" id="{D7A3F2CD-AB38-44C7-977C-EDF39BD02DB3}"/>
               </a:ext>
             </a:extLst>
           </p:cNvPr>
@@ -12076,9 +12691,29 @@
         <p:spPr/>
         <p:txBody>
           <a:bodyPr>
-            <a:normAutofit lnSpcReduction="10000"/>
+            <a:normAutofit fontScale="92500"/>
           </a:bodyPr>
           <a:lstStyle/>
+          <a:p>
+            <a:pPr marL="0" indent="0">
+              <a:lnSpc>
+                <a:spcPct val="150000"/>
+              </a:lnSpc>
+              <a:buNone/>
+            </a:pPr>
+            <a:r>
+              <a:rPr lang="en-GB" b="1" dirty="0"/>
+              <a:t>Open </a:t>
+            </a:r>
+            <a:r>
+              <a:rPr lang="pl-PL" b="1" dirty="0"/>
+              <a:t>Access</a:t>
+            </a:r>
+            <a:r>
+              <a:rPr lang="en-GB" b="1" dirty="0"/>
+              <a:t>:</a:t>
+            </a:r>
+          </a:p>
           <a:p>
             <a:pPr>
               <a:lnSpc>
@@ -12087,15 +12722,15 @@
             </a:pPr>
             <a:r>
               <a:rPr lang="en-GB" dirty="0"/>
-              <a:t>lack</a:t>
+              <a:t>speed of </a:t>
             </a:r>
             <a:r>
               <a:rPr lang="pl-PL" dirty="0"/>
-              <a:t> of </a:t>
+              <a:t>work and </a:t>
             </a:r>
             <a:r>
               <a:rPr lang="en-GB" dirty="0"/>
-              <a:t>expertise</a:t>
+              <a:t>knowledge distribution</a:t>
             </a:r>
           </a:p>
           <a:p>
@@ -12106,7 +12741,7 @@
             </a:pPr>
             <a:r>
               <a:rPr lang="en-GB" dirty="0"/>
-              <a:t>sensitive data</a:t>
+              <a:t>levelling field for underfunded sites</a:t>
             </a:r>
           </a:p>
           <a:p>
@@ -12117,8 +12752,17 @@
             </a:pPr>
             <a:r>
               <a:rPr lang="en-GB" dirty="0"/>
-              <a:t>misuse (fake news)</a:t>
-            </a:r>
+              <a:t>increasing chance for </a:t>
+            </a:r>
+            <a:r>
+              <a:rPr lang="pl-PL" dirty="0"/>
+              <a:t>collaboration, </a:t>
+            </a:r>
+            <a:r>
+              <a:rPr lang="en-GB" dirty="0"/>
+              <a:t>exposure &amp; citations</a:t>
+            </a:r>
+            <a:endParaRPr lang="pl-PL" dirty="0"/>
           </a:p>
           <a:p>
             <a:pPr>
@@ -12127,9 +12771,10 @@
               </a:lnSpc>
             </a:pPr>
             <a:r>
-              <a:rPr lang="en-GB" dirty="0"/>
-              <a:t>lack of confidence (the fear of critics)</a:t>
-            </a:r>
+              <a:rPr lang="pl-PL" dirty="0"/>
+              <a:t>new metrics of impact: views, downloads, tweets etc</a:t>
+            </a:r>
+            <a:endParaRPr lang="en-GB" dirty="0"/>
           </a:p>
           <a:p>
             <a:pPr>
@@ -12138,85 +12783,25 @@
               </a:lnSpc>
             </a:pPr>
             <a:r>
-              <a:rPr lang="en-GB" b="1" dirty="0"/>
-              <a:t>the costs in $ and in time</a:t>
-            </a:r>
-          </a:p>
-          <a:p>
-            <a:pPr>
-              <a:lnSpc>
-                <a:spcPct val="150000"/>
-              </a:lnSpc>
-            </a:pPr>
-            <a:r>
               <a:rPr lang="en-GB" dirty="0"/>
-              <a:t>IP</a:t>
+              <a:t>access to work by lay audiences, thus increases social exposure of research</a:t>
             </a:r>
           </a:p>
           <a:p>
             <a:endParaRPr lang="en-GB" dirty="0"/>
           </a:p>
-          <a:p>
-            <a:endParaRPr lang="en-GB" dirty="0"/>
-          </a:p>
-        </p:txBody>
-      </p:sp>
-      <p:pic>
-        <p:nvPicPr>
-          <p:cNvPr id="4" name="Graphic 3" descr="Questions with solid fill">
-            <a:extLst>
-              <a:ext uri="{FF2B5EF4-FFF2-40B4-BE49-F238E27FC236}">
-                <a16:creationId xmlns:a16="http://schemas.microsoft.com/office/drawing/2014/main" id="{9CCF3C30-FAA2-344D-BFE7-AADFBAB5A71D}"/>
-              </a:ext>
-            </a:extLst>
-          </p:cNvPr>
-          <p:cNvPicPr>
-            <a:picLocks noChangeAspect="1"/>
-          </p:cNvPicPr>
-          <p:nvPr/>
-        </p:nvPicPr>
-        <p:blipFill>
-          <a:blip r:embed="rId2">
-            <a:extLst>
-              <a:ext uri="{28A0092B-C50C-407E-A947-70E740481C1C}">
-                <a14:useLocalDpi xmlns:a14="http://schemas.microsoft.com/office/drawing/2010/main" val="0"/>
-              </a:ext>
-              <a:ext uri="{96DAC541-7B7A-43D3-8B79-37D633B846F1}">
-                <asvg:svgBlip xmlns="" xmlns:asvg="http://schemas.microsoft.com/office/drawing/2016/SVG/main" r:embed="rId3"/>
-              </a:ext>
-            </a:extLst>
-          </a:blip>
-          <a:stretch>
-            <a:fillRect/>
-          </a:stretch>
-        </p:blipFill>
-        <p:spPr>
-          <a:xfrm>
-            <a:off x="8494776" y="1999488"/>
-            <a:ext cx="2859024" cy="2859024"/>
-          </a:xfrm>
-          <a:prstGeom prst="rect">
-            <a:avLst/>
-          </a:prstGeom>
-        </p:spPr>
-      </p:pic>
+        </p:txBody>
+      </p:sp>
     </p:spTree>
     <p:extLst>
       <p:ext uri="{BB962C8B-B14F-4D97-AF65-F5344CB8AC3E}">
-        <p14:creationId xmlns:p14="http://schemas.microsoft.com/office/powerpoint/2010/main" val="1509898712"/>
+        <p14:creationId xmlns:p14="http://schemas.microsoft.com/office/powerpoint/2010/main" val="1992916370"/>
       </p:ext>
     </p:extLst>
   </p:cSld>
   <p:clrMapOvr>
     <a:masterClrMapping/>
   </p:clrMapOvr>
-  <p:timing>
-    <p:tnLst>
-      <p:par>
-        <p:cTn id="1" dur="indefinite" restart="never" nodeType="tmRoot"/>
-      </p:par>
-    </p:tnLst>
-  </p:timing>
 </p:sld>
 </file>
 

--- a/instructors/01-Why_are_we_here.pptx
+++ b/instructors/01-Why_are_we_here.pptx
@@ -3847,117 +3847,42 @@
           </a:p>
         </p:txBody>
       </p:sp>
-      <p:grpSp>
-        <p:nvGrpSpPr>
-          <p:cNvPr id="6" name="Group 5"/>
-          <p:cNvGrpSpPr/>
+      <p:sp>
+        <p:nvSpPr>
+          <p:cNvPr id="7" name="TextBox 6">
+            <a:extLst>
+              <a:ext uri="{FF2B5EF4-FFF2-40B4-BE49-F238E27FC236}">
+                <a16:creationId xmlns:a16="http://schemas.microsoft.com/office/drawing/2014/main" id="{441D6036-BCDA-4EC7-9653-F205FE226493}"/>
+              </a:ext>
+            </a:extLst>
+          </p:cNvPr>
+          <p:cNvSpPr txBox="1"/>
           <p:nvPr/>
-        </p:nvGrpSpPr>
-        <p:grpSpPr>
+        </p:nvSpPr>
+        <p:spPr>
           <a:xfrm>
-            <a:off x="335498" y="5785681"/>
-            <a:ext cx="7747345" cy="469783"/>
-            <a:chOff x="335498" y="5785681"/>
-            <a:chExt cx="7747345" cy="469783"/>
+            <a:off x="1092764" y="5835907"/>
+            <a:ext cx="6990079" cy="369332"/>
           </a:xfrm>
-        </p:grpSpPr>
-        <p:sp>
-          <p:nvSpPr>
-            <p:cNvPr id="7" name="TextBox 6">
-              <a:extLst>
-                <a:ext uri="{FF2B5EF4-FFF2-40B4-BE49-F238E27FC236}">
-                  <a16:creationId xmlns:a16="http://schemas.microsoft.com/office/drawing/2014/main" id="{441D6036-BCDA-4EC7-9653-F205FE226493}"/>
-                </a:ext>
-              </a:extLst>
-            </p:cNvPr>
-            <p:cNvSpPr txBox="1"/>
-            <p:nvPr/>
-          </p:nvSpPr>
-          <p:spPr>
-            <a:xfrm>
-              <a:off x="1092764" y="5835907"/>
-              <a:ext cx="6990079" cy="369332"/>
-            </a:xfrm>
-            <a:prstGeom prst="rect">
-              <a:avLst/>
-            </a:prstGeom>
-            <a:noFill/>
-          </p:spPr>
-          <p:txBody>
-            <a:bodyPr wrap="square">
-              <a:spAutoFit/>
-            </a:bodyPr>
-            <a:lstStyle/>
-            <a:p>
-              <a:r>
-                <a:rPr lang="en-GB"/>
-                <a:t>Open </a:t>
-              </a:r>
-              <a:r>
-                <a:rPr lang="en-GB" smtClean="0">
-                  <a:hlinkClick r:id="rId2"/>
-                </a:rPr>
-                <a:t>https://pad.carpentries.org/fair-4-leaders-begins-20YY-MM-DD</a:t>
-              </a:r>
-              <a:r>
-                <a:rPr lang="en-GB" smtClean="0"/>
-                <a:t>  </a:t>
-              </a:r>
-              <a:endParaRPr lang="en-GB" dirty="0">
-                <a:highlight>
-                  <a:srgbClr val="FFFF00"/>
-                </a:highlight>
-              </a:endParaRPr>
-            </a:p>
-          </p:txBody>
-        </p:sp>
-        <p:sp>
-          <p:nvSpPr>
-            <p:cNvPr id="8" name="Arrow: Down 7">
-              <a:extLst>
-                <a:ext uri="{FF2B5EF4-FFF2-40B4-BE49-F238E27FC236}">
-                  <a16:creationId xmlns:a16="http://schemas.microsoft.com/office/drawing/2014/main" id="{490697C4-1D52-44B3-9145-1E4126021820}"/>
-                </a:ext>
-              </a:extLst>
-            </p:cNvPr>
-            <p:cNvSpPr/>
-            <p:nvPr/>
-          </p:nvSpPr>
-          <p:spPr>
-            <a:xfrm rot="16200000">
-              <a:off x="410999" y="5710180"/>
-              <a:ext cx="469783" cy="620786"/>
-            </a:xfrm>
-            <a:prstGeom prst="downArrow">
-              <a:avLst/>
-            </a:prstGeom>
-          </p:spPr>
-          <p:style>
-            <a:lnRef idx="2">
-              <a:schemeClr val="accent1">
-                <a:shade val="50000"/>
-              </a:schemeClr>
-            </a:lnRef>
-            <a:fillRef idx="1">
-              <a:schemeClr val="accent1"/>
-            </a:fillRef>
-            <a:effectRef idx="0">
-              <a:schemeClr val="accent1"/>
-            </a:effectRef>
-            <a:fontRef idx="minor">
-              <a:schemeClr val="lt1"/>
-            </a:fontRef>
-          </p:style>
-          <p:txBody>
-            <a:bodyPr rtlCol="0" anchor="ctr"/>
-            <a:lstStyle/>
-            <a:p>
-              <a:pPr algn="ctr"/>
-              <a:endParaRPr lang="en-GB" dirty="0"/>
-            </a:p>
-          </p:txBody>
-        </p:sp>
-      </p:grpSp>
+          <a:prstGeom prst="rect">
+            <a:avLst/>
+          </a:prstGeom>
+          <a:noFill/>
+        </p:spPr>
+        <p:txBody>
+          <a:bodyPr wrap="square">
+            <a:spAutoFit/>
+          </a:bodyPr>
+          <a:lstStyle/>
+          <a:p>
+            <a:endParaRPr lang="en-GB" dirty="0">
+              <a:highlight>
+                <a:srgbClr val="FFFF00"/>
+              </a:highlight>
+            </a:endParaRPr>
+          </a:p>
+        </p:txBody>
+      </p:sp>
     </p:spTree>
     <p:extLst>
       <p:ext uri="{BB962C8B-B14F-4D97-AF65-F5344CB8AC3E}">
@@ -4157,7 +4082,7 @@
                 <a14:useLocalDpi xmlns:a14="http://schemas.microsoft.com/office/drawing/2010/main" val="0"/>
               </a:ext>
               <a:ext uri="{96DAC541-7B7A-43D3-8B79-37D633B846F1}">
-                <asvg:svgBlip xmlns="" xmlns:asvg="http://schemas.microsoft.com/office/drawing/2016/SVG/main" r:embed="rId3"/>
+                <asvg:svgBlip xmlns:asvg="http://schemas.microsoft.com/office/drawing/2016/SVG/main" xmlns="" r:embed="rId3"/>
               </a:ext>
             </a:extLst>
           </a:blip>
@@ -4296,7 +4221,7 @@
                 <a14:useLocalDpi xmlns:a14="http://schemas.microsoft.com/office/drawing/2010/main" val="0"/>
               </a:ext>
               <a:ext uri="{96DAC541-7B7A-43D3-8B79-37D633B846F1}">
-                <asvg:svgBlip xmlns:asvg="http://schemas.microsoft.com/office/drawing/2016/SVG/main" xmlns="" r:embed="rId3"/>
+                <asvg:svgBlip xmlns="" xmlns:asvg="http://schemas.microsoft.com/office/drawing/2016/SVG/main" r:embed="rId3"/>
               </a:ext>
             </a:extLst>
           </a:blip>
@@ -4511,7 +4436,7 @@
                 <a14:useLocalDpi xmlns:a14="http://schemas.microsoft.com/office/drawing/2010/main" val="0"/>
               </a:ext>
               <a:ext uri="{96DAC541-7B7A-43D3-8B79-37D633B846F1}">
-                <asvg:svgBlip xmlns:asvg="http://schemas.microsoft.com/office/drawing/2016/SVG/main" xmlns="" r:embed="rId3"/>
+                <asvg:svgBlip xmlns="" xmlns:asvg="http://schemas.microsoft.com/office/drawing/2016/SVG/main" r:embed="rId3"/>
               </a:ext>
             </a:extLst>
           </a:blip>
@@ -5822,7 +5747,7 @@
             <a:effectLst/>
             <a:extLst>
               <a:ext uri="{AF507438-7753-43e0-B8FC-AC1667EBCBE1}">
-                <a14:hiddenEffects xmlns:a14="http://schemas.microsoft.com/office/drawing/2010/main" xmlns="">
+                <a14:hiddenEffects xmlns="" xmlns:a14="http://schemas.microsoft.com/office/drawing/2010/main">
                   <a:effectLst>
                     <a:outerShdw dist="35921" dir="2700000" algn="ctr" rotWithShape="0">
                       <a:schemeClr val="bg2"/>
@@ -5884,7 +5809,7 @@
             <a:effectLst/>
             <a:extLst>
               <a:ext uri="{AF507438-7753-43e0-B8FC-AC1667EBCBE1}">
-                <a14:hiddenEffects xmlns:a14="http://schemas.microsoft.com/office/drawing/2010/main" xmlns="">
+                <a14:hiddenEffects xmlns="" xmlns:a14="http://schemas.microsoft.com/office/drawing/2010/main">
                   <a:effectLst>
                     <a:outerShdw dist="35921" dir="2700000" algn="ctr" rotWithShape="0">
                       <a:schemeClr val="bg2"/>
@@ -5946,7 +5871,7 @@
             <a:effectLst/>
             <a:extLst>
               <a:ext uri="{AF507438-7753-43e0-B8FC-AC1667EBCBE1}">
-                <a14:hiddenEffects xmlns:a14="http://schemas.microsoft.com/office/drawing/2010/main" xmlns="">
+                <a14:hiddenEffects xmlns="" xmlns:a14="http://schemas.microsoft.com/office/drawing/2010/main">
                   <a:effectLst>
                     <a:outerShdw dist="35921" dir="2700000" algn="ctr" rotWithShape="0">
                       <a:schemeClr val="bg2"/>
@@ -6152,7 +6077,7 @@
           <a:effectLst/>
           <a:extLst>
             <a:ext uri="{AF507438-7753-43e0-B8FC-AC1667EBCBE1}">
-              <a14:hiddenEffects xmlns:a14="http://schemas.microsoft.com/office/drawing/2010/main" xmlns="">
+              <a14:hiddenEffects xmlns="" xmlns:a14="http://schemas.microsoft.com/office/drawing/2010/main">
                 <a:effectLst>
                   <a:outerShdw dist="35921" dir="2700000" algn="ctr" rotWithShape="0">
                     <a:schemeClr val="bg2"/>
@@ -6483,7 +6408,7 @@
             <a:effectLst/>
             <a:extLst>
               <a:ext uri="{AF507438-7753-43e0-B8FC-AC1667EBCBE1}">
-                <a14:hiddenEffects xmlns:a14="http://schemas.microsoft.com/office/drawing/2010/main" xmlns="">
+                <a14:hiddenEffects xmlns="" xmlns:a14="http://schemas.microsoft.com/office/drawing/2010/main">
                   <a:effectLst>
                     <a:outerShdw dist="35921" dir="2700000" algn="ctr" rotWithShape="0">
                       <a:schemeClr val="bg2"/>
@@ -6545,7 +6470,7 @@
             <a:effectLst/>
             <a:extLst>
               <a:ext uri="{AF507438-7753-43e0-B8FC-AC1667EBCBE1}">
-                <a14:hiddenEffects xmlns:a14="http://schemas.microsoft.com/office/drawing/2010/main" xmlns="">
+                <a14:hiddenEffects xmlns="" xmlns:a14="http://schemas.microsoft.com/office/drawing/2010/main">
                   <a:effectLst>
                     <a:outerShdw dist="35921" dir="2700000" algn="ctr" rotWithShape="0">
                       <a:schemeClr val="bg2"/>
@@ -6622,7 +6547,7 @@
             <a:effectLst/>
             <a:extLst>
               <a:ext uri="{AF507438-7753-43e0-B8FC-AC1667EBCBE1}">
-                <a14:hiddenEffects xmlns:a14="http://schemas.microsoft.com/office/drawing/2010/main" xmlns="">
+                <a14:hiddenEffects xmlns="" xmlns:a14="http://schemas.microsoft.com/office/drawing/2010/main">
                   <a:effectLst>
                     <a:outerShdw dist="35921" dir="2700000" algn="ctr" rotWithShape="0">
                       <a:schemeClr val="bg2"/>
@@ -6684,7 +6609,7 @@
             <a:effectLst/>
             <a:extLst>
               <a:ext uri="{AF507438-7753-43e0-B8FC-AC1667EBCBE1}">
-                <a14:hiddenEffects xmlns:a14="http://schemas.microsoft.com/office/drawing/2010/main" xmlns="">
+                <a14:hiddenEffects xmlns="" xmlns:a14="http://schemas.microsoft.com/office/drawing/2010/main">
                   <a:effectLst>
                     <a:outerShdw dist="35921" dir="2700000" algn="ctr" rotWithShape="0">
                       <a:schemeClr val="bg2"/>
@@ -7917,7 +7842,7 @@
           <a:effectLst/>
           <a:extLst>
             <a:ext uri="{AF507438-7753-43e0-B8FC-AC1667EBCBE1}">
-              <a14:hiddenEffects xmlns:a14="http://schemas.microsoft.com/office/drawing/2010/main" xmlns="">
+              <a14:hiddenEffects xmlns="" xmlns:a14="http://schemas.microsoft.com/office/drawing/2010/main">
                 <a:effectLst>
                   <a:outerShdw dist="35921" dir="2700000" algn="ctr" rotWithShape="0">
                     <a:schemeClr val="bg2"/>
@@ -10897,22 +10822,16 @@
               <a:rPr lang="pl-PL" sz="1400" dirty="0">
                 <a:hlinkClick r:id="rId2"/>
               </a:rPr>
-              <a:t>https</a:t>
-            </a:r>
-            <a:r>
-              <a:rPr lang="pl-PL" sz="1400">
-                <a:hlinkClick r:id="rId2"/>
-              </a:rPr>
-              <a:t>://</a:t>
-            </a:r>
-            <a:r>
-              <a:rPr lang="pl-PL" sz="1400" smtClean="0">
+              <a:t>https://</a:t>
+            </a:r>
+            <a:r>
+              <a:rPr lang="pl-PL" sz="1400" dirty="0" smtClean="0">
                 <a:hlinkClick r:id="rId2"/>
               </a:rPr>
               <a:t>www.fosteropenscience.eu/content/what-open-science-introduction</a:t>
             </a:r>
             <a:r>
-              <a:rPr lang="en-GB" sz="1400" smtClean="0"/>
+              <a:rPr lang="en-GB" sz="1400" dirty="0" smtClean="0"/>
               <a:t> </a:t>
             </a:r>
             <a:endParaRPr lang="pl-PL" sz="1400" dirty="0"/>
@@ -11050,11 +10969,7 @@
           <a:p>
             <a:r>
               <a:rPr lang="pl-PL" sz="1400" dirty="0" smtClean="0"/>
-              <a:t>[3</a:t>
-            </a:r>
-            <a:r>
-              <a:rPr lang="pl-PL" sz="1400" smtClean="0"/>
-              <a:t>] Photo Jonathunder, Medal</a:t>
+              <a:t>[3] Photo Jonathunder, Medal</a:t>
             </a:r>
             <a:r>
               <a:rPr lang="pl-PL" sz="1400" dirty="0"/>
@@ -11146,31 +11061,25 @@
               <a:rPr lang="pl-PL" sz="1400" dirty="0">
                 <a:hlinkClick r:id="rId8"/>
               </a:rPr>
-              <a:t>https://</a:t>
-            </a:r>
-            <a:r>
-              <a:rPr lang="pl-PL" sz="1400">
-                <a:hlinkClick r:id="rId8"/>
-              </a:rPr>
-              <a:t>sfdora.org/resource/dora-slide-presentations</a:t>
-            </a:r>
-            <a:r>
-              <a:rPr lang="pl-PL" sz="1400" smtClean="0">
+              <a:t>https://sfdora.org/resource/dora-slide-presentations</a:t>
+            </a:r>
+            <a:r>
+              <a:rPr lang="pl-PL" sz="1400" dirty="0" smtClean="0">
                 <a:hlinkClick r:id="rId8"/>
               </a:rPr>
               <a:t>/</a:t>
             </a:r>
-            <a:endParaRPr lang="en-GB" sz="1400" smtClean="0"/>
-          </a:p>
-          <a:p>
-            <a:endParaRPr lang="en-GB" sz="1400"/>
+            <a:endParaRPr lang="en-GB" sz="1400" dirty="0" smtClean="0"/>
+          </a:p>
+          <a:p>
+            <a:endParaRPr lang="en-GB" sz="1400" dirty="0"/>
           </a:p>
           <a:p>
             <a:pPr marL="0" indent="0">
               <a:buNone/>
             </a:pPr>
             <a:r>
-              <a:rPr lang="en-GB" sz="2000" smtClean="0"/>
+              <a:rPr lang="en-GB" sz="2000" dirty="0" smtClean="0"/>
               <a:t>Funding</a:t>
             </a:r>
           </a:p>
@@ -11179,11 +11088,19 @@
               <a:buNone/>
             </a:pPr>
             <a:r>
-              <a:rPr lang="en-GB" sz="1400" smtClean="0"/>
-              <a:t>Ed-DaSH </a:t>
-            </a:r>
-            <a:r>
-              <a:rPr lang="en-GB" sz="1400"/>
+              <a:rPr lang="en-GB" sz="1400" dirty="0" smtClean="0"/>
+              <a:t>Ed-</a:t>
+            </a:r>
+            <a:r>
+              <a:rPr lang="en-GB" sz="1400" dirty="0" err="1" smtClean="0"/>
+              <a:t>DaSH</a:t>
+            </a:r>
+            <a:r>
+              <a:rPr lang="en-GB" sz="1400" dirty="0" smtClean="0"/>
+              <a:t> </a:t>
+            </a:r>
+            <a:r>
+              <a:rPr lang="en-GB" sz="1400" dirty="0"/>
               <a:t>is a Data Science training programme for Health and Biosciences. This work was supported by UK Research and Innovation [grant number MR/V039075/1].</a:t>
             </a:r>
           </a:p>
@@ -11192,25 +11109,25 @@
               <a:buNone/>
             </a:pPr>
             <a:r>
-              <a:rPr lang="en-GB" sz="1400" smtClean="0">
+              <a:rPr lang="en-GB" sz="1400" dirty="0" smtClean="0">
                 <a:hlinkClick r:id="rId9"/>
               </a:rPr>
               <a:t>https</a:t>
             </a:r>
             <a:r>
-              <a:rPr lang="en-GB" sz="1400">
+              <a:rPr lang="en-GB" sz="1400" dirty="0">
                 <a:hlinkClick r:id="rId9"/>
               </a:rPr>
               <a:t>://edcarp.github.io/Ed-DaSH</a:t>
             </a:r>
             <a:r>
-              <a:rPr lang="en-GB" sz="1400" smtClean="0">
+              <a:rPr lang="en-GB" sz="1400" dirty="0" smtClean="0">
                 <a:hlinkClick r:id="rId9"/>
               </a:rPr>
               <a:t>/</a:t>
             </a:r>
             <a:r>
-              <a:rPr lang="en-GB" sz="1400" smtClean="0"/>
+              <a:rPr lang="en-GB" sz="1400" dirty="0" smtClean="0"/>
               <a:t> </a:t>
             </a:r>
             <a:endParaRPr lang="pl-PL" sz="1400" dirty="0" smtClean="0"/>
@@ -11978,7 +11895,7 @@
                 <a14:useLocalDpi xmlns:a14="http://schemas.microsoft.com/office/drawing/2010/main" val="0"/>
               </a:ext>
               <a:ext uri="{96DAC541-7B7A-43D3-8B79-37D633B846F1}">
-                <asvg:svgBlip xmlns:asvg="http://schemas.microsoft.com/office/drawing/2016/SVG/main" xmlns="" r:embed="rId3"/>
+                <asvg:svgBlip xmlns="" xmlns:asvg="http://schemas.microsoft.com/office/drawing/2016/SVG/main" r:embed="rId3"/>
               </a:ext>
             </a:extLst>
           </a:blip>
@@ -12017,7 +11934,7 @@
                 <a14:useLocalDpi xmlns:a14="http://schemas.microsoft.com/office/drawing/2010/main" val="0"/>
               </a:ext>
               <a:ext uri="{96DAC541-7B7A-43D3-8B79-37D633B846F1}">
-                <asvg:svgBlip xmlns:asvg="http://schemas.microsoft.com/office/drawing/2016/SVG/main" xmlns="" r:embed="rId5"/>
+                <asvg:svgBlip xmlns="" xmlns:asvg="http://schemas.microsoft.com/office/drawing/2016/SVG/main" r:embed="rId5"/>
               </a:ext>
             </a:extLst>
           </a:blip>
@@ -12056,7 +11973,7 @@
                 <a14:useLocalDpi xmlns:a14="http://schemas.microsoft.com/office/drawing/2010/main" val="0"/>
               </a:ext>
               <a:ext uri="{96DAC541-7B7A-43D3-8B79-37D633B846F1}">
-                <asvg:svgBlip xmlns:asvg="http://schemas.microsoft.com/office/drawing/2016/SVG/main" xmlns="" r:embed="rId7"/>
+                <asvg:svgBlip xmlns="" xmlns:asvg="http://schemas.microsoft.com/office/drawing/2016/SVG/main" r:embed="rId7"/>
               </a:ext>
             </a:extLst>
           </a:blip>
@@ -12095,7 +12012,7 @@
                 <a14:useLocalDpi xmlns:a14="http://schemas.microsoft.com/office/drawing/2010/main" val="0"/>
               </a:ext>
               <a:ext uri="{96DAC541-7B7A-43D3-8B79-37D633B846F1}">
-                <asvg:svgBlip xmlns:asvg="http://schemas.microsoft.com/office/drawing/2016/SVG/main" xmlns="" r:embed="rId9"/>
+                <asvg:svgBlip xmlns="" xmlns:asvg="http://schemas.microsoft.com/office/drawing/2016/SVG/main" r:embed="rId9"/>
               </a:ext>
             </a:extLst>
           </a:blip>
@@ -12134,7 +12051,7 @@
                 <a14:useLocalDpi xmlns:a14="http://schemas.microsoft.com/office/drawing/2010/main" val="0"/>
               </a:ext>
               <a:ext uri="{96DAC541-7B7A-43D3-8B79-37D633B846F1}">
-                <asvg:svgBlip xmlns:asvg="http://schemas.microsoft.com/office/drawing/2016/SVG/main" xmlns="" r:embed="rId11"/>
+                <asvg:svgBlip xmlns="" xmlns:asvg="http://schemas.microsoft.com/office/drawing/2016/SVG/main" r:embed="rId11"/>
               </a:ext>
             </a:extLst>
           </a:blip>
@@ -12173,7 +12090,7 @@
                 <a14:useLocalDpi xmlns:a14="http://schemas.microsoft.com/office/drawing/2010/main" val="0"/>
               </a:ext>
               <a:ext uri="{96DAC541-7B7A-43D3-8B79-37D633B846F1}">
-                <asvg:svgBlip xmlns:asvg="http://schemas.microsoft.com/office/drawing/2016/SVG/main" xmlns="" r:embed="rId13"/>
+                <asvg:svgBlip xmlns="" xmlns:asvg="http://schemas.microsoft.com/office/drawing/2016/SVG/main" r:embed="rId13"/>
               </a:ext>
             </a:extLst>
           </a:blip>
